--- a/Documents/Deck/Reproducable Research.pptx
+++ b/Documents/Deck/Reproducable Research.pptx
@@ -19,17 +19,15 @@
     <p:sldId id="355" r:id="rId13"/>
     <p:sldId id="356" r:id="rId14"/>
     <p:sldId id="357" r:id="rId15"/>
-    <p:sldId id="358" r:id="rId16"/>
-    <p:sldId id="359" r:id="rId17"/>
-    <p:sldId id="360" r:id="rId18"/>
-    <p:sldId id="361" r:id="rId19"/>
-    <p:sldId id="362" r:id="rId20"/>
-    <p:sldId id="363" r:id="rId21"/>
-    <p:sldId id="364" r:id="rId22"/>
-    <p:sldId id="367" r:id="rId23"/>
-    <p:sldId id="368" r:id="rId24"/>
-    <p:sldId id="365" r:id="rId25"/>
-    <p:sldId id="366" r:id="rId26"/>
+    <p:sldId id="359" r:id="rId16"/>
+    <p:sldId id="360" r:id="rId17"/>
+    <p:sldId id="361" r:id="rId18"/>
+    <p:sldId id="362" r:id="rId19"/>
+    <p:sldId id="363" r:id="rId20"/>
+    <p:sldId id="367" r:id="rId21"/>
+    <p:sldId id="368" r:id="rId22"/>
+    <p:sldId id="365" r:id="rId23"/>
+    <p:sldId id="366" r:id="rId24"/>
   </p:sldIdLst>
   <p:sldSz cx="12192000" cy="6858000"/>
   <p:notesSz cx="6858000" cy="9144000"/>
@@ -336,7 +334,7 @@
           <a:p>
             <a:fld id="{ECD19FB2-3AAB-4D03-B13A-2960828C78E3}" type="datetimeFigureOut">
               <a:rPr lang="en-US" dirty="0"/>
-              <a:t>10/23/2017</a:t>
+              <a:t>10/30/2017</a:t>
             </a:fld>
             <a:endParaRPr lang="en-US" dirty="0"/>
           </a:p>
@@ -617,7 +615,7 @@
           <a:p>
             <a:fld id="{1B80C674-7DFC-42FE-B9CD-82963CDB1557}" type="datetimeFigureOut">
               <a:rPr lang="en-US" dirty="0"/>
-              <a:t>10/23/2017</a:t>
+              <a:t>10/30/2017</a:t>
             </a:fld>
             <a:endParaRPr lang="en-US" dirty="0"/>
           </a:p>
@@ -808,7 +806,7 @@
           <a:p>
             <a:fld id="{2076456F-F47D-4F25-8053-2A695DA0CA7D}" type="datetimeFigureOut">
               <a:rPr lang="en-US" dirty="0"/>
-              <a:t>10/23/2017</a:t>
+              <a:t>10/30/2017</a:t>
             </a:fld>
             <a:endParaRPr lang="en-US" dirty="0"/>
           </a:p>
@@ -1068,7 +1066,7 @@
           <a:p>
             <a:fld id="{5D6C7379-69CC-4837-9905-BEBA22830C8A}" type="datetimeFigureOut">
               <a:rPr lang="en-US" dirty="0"/>
-              <a:t>10/23/2017</a:t>
+              <a:t>10/30/2017</a:t>
             </a:fld>
             <a:endParaRPr lang="en-US" dirty="0"/>
           </a:p>
@@ -1493,7 +1491,7 @@
           <a:p>
             <a:fld id="{49EB8B7E-8AEE-4F10-BFEE-C999AD004D36}" type="datetimeFigureOut">
               <a:rPr lang="en-US" dirty="0"/>
-              <a:t>10/23/2017</a:t>
+              <a:t>10/30/2017</a:t>
             </a:fld>
             <a:endParaRPr lang="en-US" dirty="0"/>
           </a:p>
@@ -2038,7 +2036,7 @@
           <a:p>
             <a:fld id="{8668F3F9-58BC-440B-B37B-805B9055EF92}" type="datetimeFigureOut">
               <a:rPr lang="en-US" dirty="0"/>
-              <a:t>10/23/2017</a:t>
+              <a:t>10/30/2017</a:t>
             </a:fld>
             <a:endParaRPr lang="en-US" dirty="0"/>
           </a:p>
@@ -2868,7 +2866,7 @@
           <a:p>
             <a:fld id="{0D5A53AF-48EA-489D-8260-9DCAB666386A}" type="datetimeFigureOut">
               <a:rPr lang="en-US" dirty="0"/>
-              <a:t>10/23/2017</a:t>
+              <a:t>10/30/2017</a:t>
             </a:fld>
             <a:endParaRPr lang="en-US" dirty="0"/>
           </a:p>
@@ -3037,7 +3035,7 @@
           <a:p>
             <a:fld id="{0DED02AE-B9A4-47BD-AF8E-97E16144138B}" type="datetimeFigureOut">
               <a:rPr lang="en-US" dirty="0"/>
-              <a:t>10/23/2017</a:t>
+              <a:t>10/30/2017</a:t>
             </a:fld>
             <a:endParaRPr lang="en-US" dirty="0"/>
           </a:p>
@@ -3216,7 +3214,7 @@
           <a:p>
             <a:fld id="{CF0FD78B-DB02-4362-BCDC-98A55456977C}" type="datetimeFigureOut">
               <a:rPr lang="en-US" dirty="0"/>
-              <a:t>10/23/2017</a:t>
+              <a:t>10/30/2017</a:t>
             </a:fld>
             <a:endParaRPr lang="en-US" dirty="0"/>
           </a:p>
@@ -3385,7 +3383,7 @@
           <a:p>
             <a:fld id="{99916976-5D93-46E4-A98A-FAD63E4D0EA8}" type="datetimeFigureOut">
               <a:rPr lang="en-US" dirty="0"/>
-              <a:t>10/23/2017</a:t>
+              <a:t>10/30/2017</a:t>
             </a:fld>
             <a:endParaRPr lang="en-US" dirty="0"/>
           </a:p>
@@ -3641,7 +3639,7 @@
           <a:p>
             <a:fld id="{0F39F4F5-F4D2-4D2A-AB60-88D37ADCB869}" type="datetimeFigureOut">
               <a:rPr lang="en-US" dirty="0"/>
-              <a:t>10/23/2017</a:t>
+              <a:t>10/30/2017</a:t>
             </a:fld>
             <a:endParaRPr lang="en-US" dirty="0"/>
           </a:p>
@@ -3872,7 +3870,7 @@
           <a:p>
             <a:fld id="{D23BC6CE-6D1E-47E5-8859-F31AC5380EB2}" type="datetimeFigureOut">
               <a:rPr lang="en-US" dirty="0"/>
-              <a:t>10/23/2017</a:t>
+              <a:t>10/30/2017</a:t>
             </a:fld>
             <a:endParaRPr lang="en-US" dirty="0"/>
           </a:p>
@@ -4264,7 +4262,7 @@
           <a:p>
             <a:fld id="{B1B4E7C4-4DA4-404D-9965-B13F2DD7D8BF}" type="datetimeFigureOut">
               <a:rPr lang="en-US" dirty="0"/>
-              <a:t>10/23/2017</a:t>
+              <a:t>10/30/2017</a:t>
             </a:fld>
             <a:endParaRPr lang="en-US" dirty="0"/>
           </a:p>
@@ -4381,7 +4379,7 @@
           <a:p>
             <a:fld id="{476FB7AA-4A53-424F-AD41-70827B6504BA}" type="datetimeFigureOut">
               <a:rPr lang="en-US" dirty="0"/>
-              <a:t>10/23/2017</a:t>
+              <a:t>10/30/2017</a:t>
             </a:fld>
             <a:endParaRPr lang="en-US" dirty="0"/>
           </a:p>
@@ -4475,7 +4473,7 @@
           <a:p>
             <a:fld id="{E7884882-FB12-4BC8-9960-9AD8104D7FAE}" type="datetimeFigureOut">
               <a:rPr lang="en-US" dirty="0"/>
-              <a:t>10/23/2017</a:t>
+              <a:t>10/30/2017</a:t>
             </a:fld>
             <a:endParaRPr lang="en-US" dirty="0"/>
           </a:p>
@@ -4747,7 +4745,7 @@
           <a:p>
             <a:fld id="{F7D1BD23-6E54-4D9D-AD88-A2813C73CC25}" type="datetimeFigureOut">
               <a:rPr lang="en-US" dirty="0"/>
-              <a:t>10/23/2017</a:t>
+              <a:t>10/30/2017</a:t>
             </a:fld>
             <a:endParaRPr lang="en-US" dirty="0"/>
           </a:p>
@@ -5027,7 +5025,7 @@
           <a:p>
             <a:fld id="{1471A834-4F3C-4AF9-9C74-05EC35A0F292}" type="datetimeFigureOut">
               <a:rPr lang="en-US" dirty="0"/>
-              <a:t>10/23/2017</a:t>
+              <a:t>10/30/2017</a:t>
             </a:fld>
             <a:endParaRPr lang="en-US" dirty="0"/>
           </a:p>
@@ -5266,7 +5264,7 @@
           <a:p>
             <a:fld id="{51CF1133-3259-4C45-BABA-5B62D9C6F78D}" type="datetimeFigureOut">
               <a:rPr lang="en-US" dirty="0"/>
-              <a:t>10/23/2017</a:t>
+              <a:t>10/30/2017</a:t>
             </a:fld>
             <a:endParaRPr lang="en-US" dirty="0"/>
           </a:p>
@@ -6939,7 +6937,7 @@
         </p:nvSpPr>
         <p:spPr>
           <a:xfrm>
-            <a:off x="838200" y="1371384"/>
+            <a:off x="838200" y="1566558"/>
             <a:ext cx="10233800" cy="4351338"/>
           </a:xfrm>
         </p:spPr>
@@ -7829,7 +7827,7 @@
         </p:spPr>
         <p:txBody>
           <a:bodyPr>
-            <a:normAutofit fontScale="92500" lnSpcReduction="20000"/>
+            <a:normAutofit/>
           </a:bodyPr>
           <a:lstStyle/>
           <a:p>
@@ -7840,30 +7838,14 @@
                 </a:solidFill>
                 <a:latin typeface="Adobe Caslon Pro" panose="0205050205050A020403"/>
               </a:rPr>
-              <a:t>Someone should be able to run your exact analysis and get your result.</a:t>
-            </a:r>
-          </a:p>
-          <a:p>
-            <a:endParaRPr lang="en-US" sz="3200" dirty="0">
-              <a:solidFill>
-                <a:schemeClr val="tx1"/>
-              </a:solidFill>
-              <a:latin typeface="Adobe Caslon Pro" panose="0205050205050A020403"/>
-            </a:endParaRPr>
-          </a:p>
-          <a:p>
-            <a:r>
-              <a:rPr lang="en-US" sz="3200" dirty="0">
-                <a:solidFill>
-                  <a:schemeClr val="tx1"/>
-                </a:solidFill>
-                <a:latin typeface="Adobe Caslon Pro" panose="0205050205050A020403"/>
-              </a:rPr>
-              <a:t>Goal is to reproduce NOT replicate.</a:t>
-            </a:r>
-          </a:p>
-          <a:p>
-            <a:pPr lvl="1"/>
+              <a:t>Elements of reproducibility</a:t>
+            </a:r>
+          </a:p>
+          <a:p>
+            <a:pPr marL="971550" lvl="1" indent="-514350">
+              <a:buFont typeface="+mj-lt"/>
+              <a:buAutoNum type="arabicPeriod"/>
+            </a:pPr>
             <a:r>
               <a:rPr lang="en-US" sz="2800" dirty="0">
                 <a:solidFill>
@@ -7871,11 +7853,14 @@
                 </a:solidFill>
                 <a:latin typeface="Adobe Caslon Pro" panose="0205050205050A020403"/>
               </a:rPr>
-              <a:t>Reproduce = validate your work</a:t>
-            </a:r>
-          </a:p>
-          <a:p>
-            <a:pPr lvl="1"/>
+              <a:t>Analytic data (the Tidy data)</a:t>
+            </a:r>
+          </a:p>
+          <a:p>
+            <a:pPr marL="971550" lvl="1" indent="-514350">
+              <a:buFont typeface="+mj-lt"/>
+              <a:buAutoNum type="arabicPeriod"/>
+            </a:pPr>
             <a:r>
               <a:rPr lang="en-US" sz="2800" dirty="0">
                 <a:solidFill>
@@ -7883,7 +7868,37 @@
                 </a:solidFill>
                 <a:latin typeface="Adobe Caslon Pro" panose="0205050205050A020403"/>
               </a:rPr>
-              <a:t>Replicate = validate the conclusions of the study</a:t>
+              <a:t>Analytic code</a:t>
+            </a:r>
+          </a:p>
+          <a:p>
+            <a:pPr marL="971550" lvl="1" indent="-514350">
+              <a:buFont typeface="+mj-lt"/>
+              <a:buAutoNum type="arabicPeriod"/>
+            </a:pPr>
+            <a:r>
+              <a:rPr lang="en-US" sz="2800" dirty="0">
+                <a:solidFill>
+                  <a:schemeClr val="tx1"/>
+                </a:solidFill>
+                <a:latin typeface="Adobe Caslon Pro" panose="0205050205050A020403"/>
+              </a:rPr>
+              <a:t>Documentation</a:t>
+            </a:r>
+          </a:p>
+          <a:p>
+            <a:pPr marL="971550" lvl="1" indent="-514350">
+              <a:buFont typeface="+mj-lt"/>
+              <a:buAutoNum type="arabicPeriod"/>
+            </a:pPr>
+            <a:r>
+              <a:rPr lang="en-US" sz="2800" dirty="0">
+                <a:solidFill>
+                  <a:schemeClr val="tx1"/>
+                </a:solidFill>
+                <a:latin typeface="Adobe Caslon Pro" panose="0205050205050A020403"/>
+              </a:rPr>
+              <a:t>Distribution</a:t>
             </a:r>
           </a:p>
           <a:p>
@@ -7903,26 +7918,7 @@
                 </a:solidFill>
                 <a:latin typeface="Adobe Caslon Pro" panose="0205050205050A020403"/>
               </a:rPr>
-              <a:t>This is a lot harder than it sounds.</a:t>
-            </a:r>
-          </a:p>
-          <a:p>
-            <a:endParaRPr lang="en-US" sz="3200" dirty="0">
-              <a:solidFill>
-                <a:schemeClr val="tx1"/>
-              </a:solidFill>
-              <a:latin typeface="Adobe Caslon Pro" panose="0205050205050A020403"/>
-            </a:endParaRPr>
-          </a:p>
-          <a:p>
-            <a:r>
-              <a:rPr lang="en-US" sz="3200" dirty="0">
-                <a:solidFill>
-                  <a:schemeClr val="tx1"/>
-                </a:solidFill>
-                <a:latin typeface="Adobe Caslon Pro" panose="0205050205050A020403"/>
-              </a:rPr>
-              <a:t>Reproducibility hasn’t been totally figured out.</a:t>
+              <a:t>Of these, distribution is the trickiest</a:t>
             </a:r>
           </a:p>
           <a:p>
@@ -7984,7 +7980,7 @@
     </p:spTree>
     <p:extLst>
       <p:ext uri="{BB962C8B-B14F-4D97-AF65-F5344CB8AC3E}">
-        <p14:creationId xmlns:p14="http://schemas.microsoft.com/office/powerpoint/2010/main" val="2906017469"/>
+        <p14:creationId xmlns:p14="http://schemas.microsoft.com/office/powerpoint/2010/main" val="3851377837"/>
       </p:ext>
     </p:extLst>
   </p:cSld>
@@ -8075,14 +8071,11 @@
                 </a:solidFill>
                 <a:latin typeface="Adobe Caslon Pro" panose="0205050205050A020403"/>
               </a:rPr>
-              <a:t>Elements of reproducibility</a:t>
-            </a:r>
-          </a:p>
-          <a:p>
-            <a:pPr marL="971550" lvl="1" indent="-514350">
-              <a:buFont typeface="+mj-lt"/>
-              <a:buAutoNum type="arabicPeriod"/>
-            </a:pPr>
+              <a:t>Literate Statistical Programming</a:t>
+            </a:r>
+          </a:p>
+          <a:p>
+            <a:pPr lvl="1"/>
             <a:r>
               <a:rPr lang="en-US" sz="2800" dirty="0">
                 <a:solidFill>
@@ -8090,14 +8083,11 @@
                 </a:solidFill>
                 <a:latin typeface="Adobe Caslon Pro" panose="0205050205050A020403"/>
               </a:rPr>
-              <a:t>Analytic data (the Tidy data)</a:t>
-            </a:r>
-          </a:p>
-          <a:p>
-            <a:pPr marL="971550" lvl="1" indent="-514350">
-              <a:buFont typeface="+mj-lt"/>
-              <a:buAutoNum type="arabicPeriod"/>
-            </a:pPr>
+              <a:t>Combine your analysis and your code into a single document</a:t>
+            </a:r>
+          </a:p>
+          <a:p>
+            <a:pPr lvl="1"/>
             <a:r>
               <a:rPr lang="en-US" sz="2800" dirty="0">
                 <a:solidFill>
@@ -8105,42 +8095,51 @@
                 </a:solidFill>
                 <a:latin typeface="Adobe Caslon Pro" panose="0205050205050A020403"/>
               </a:rPr>
-              <a:t>Analytic code</a:t>
-            </a:r>
-          </a:p>
-          <a:p>
-            <a:pPr marL="971550" lvl="1" indent="-514350">
-              <a:buFont typeface="+mj-lt"/>
-              <a:buAutoNum type="arabicPeriod"/>
-            </a:pPr>
-            <a:r>
-              <a:rPr lang="en-US" sz="2800" dirty="0">
-                <a:solidFill>
-                  <a:schemeClr val="tx1"/>
-                </a:solidFill>
-                <a:latin typeface="Adobe Caslon Pro" panose="0205050205050A020403"/>
-              </a:rPr>
-              <a:t>Documentation</a:t>
-            </a:r>
-          </a:p>
-          <a:p>
-            <a:pPr marL="971550" lvl="1" indent="-514350">
-              <a:buFont typeface="+mj-lt"/>
-              <a:buAutoNum type="arabicPeriod"/>
-            </a:pPr>
-            <a:r>
-              <a:rPr lang="en-US" sz="2800" dirty="0">
-                <a:solidFill>
-                  <a:schemeClr val="tx1"/>
-                </a:solidFill>
-                <a:latin typeface="Adobe Caslon Pro" panose="0205050205050A020403"/>
-              </a:rPr>
-              <a:t>Distribution</a:t>
-            </a:r>
-          </a:p>
-          <a:p>
-            <a:pPr lvl="1"/>
-            <a:endParaRPr lang="en-US" sz="2800" dirty="0">
+              <a:t>There are several tools for this</a:t>
+            </a:r>
+          </a:p>
+          <a:p>
+            <a:pPr lvl="2"/>
+            <a:r>
+              <a:rPr lang="en-US" sz="2400" dirty="0">
+                <a:solidFill>
+                  <a:schemeClr val="tx1"/>
+                </a:solidFill>
+                <a:latin typeface="Adobe Caslon Pro" panose="0205050205050A020403"/>
+              </a:rPr>
+              <a:t>Markdown</a:t>
+            </a:r>
+          </a:p>
+          <a:p>
+            <a:pPr lvl="2"/>
+            <a:r>
+              <a:rPr lang="en-US" sz="2400" dirty="0" err="1">
+                <a:solidFill>
+                  <a:schemeClr val="tx1"/>
+                </a:solidFill>
+                <a:latin typeface="Adobe Caslon Pro" panose="0205050205050A020403"/>
+              </a:rPr>
+              <a:t>RMarkdown</a:t>
+            </a:r>
+            <a:r>
+              <a:rPr lang="en-US" sz="2400" dirty="0">
+                <a:solidFill>
+                  <a:schemeClr val="tx1"/>
+                </a:solidFill>
+                <a:latin typeface="Adobe Caslon Pro" panose="0205050205050A020403"/>
+              </a:rPr>
+              <a:t>/</a:t>
+            </a:r>
+            <a:r>
+              <a:rPr lang="en-US" sz="2400" dirty="0" err="1">
+                <a:solidFill>
+                  <a:schemeClr val="tx1"/>
+                </a:solidFill>
+                <a:latin typeface="Adobe Caslon Pro" panose="0205050205050A020403"/>
+              </a:rPr>
+              <a:t>knitr</a:t>
+            </a:r>
+            <a:endParaRPr lang="en-US" sz="2400" dirty="0">
               <a:solidFill>
                 <a:schemeClr val="tx1"/>
               </a:solidFill>
@@ -8148,14 +8147,27 @@
             </a:endParaRPr>
           </a:p>
           <a:p>
-            <a:r>
-              <a:rPr lang="en-US" sz="3200" dirty="0">
-                <a:solidFill>
-                  <a:schemeClr val="tx1"/>
-                </a:solidFill>
-                <a:latin typeface="Adobe Caslon Pro" panose="0205050205050A020403"/>
-              </a:rPr>
-              <a:t>Of these, distribution is the trickiest</a:t>
+            <a:pPr lvl="2"/>
+            <a:r>
+              <a:rPr lang="en-US" sz="2400" dirty="0">
+                <a:solidFill>
+                  <a:schemeClr val="tx1"/>
+                </a:solidFill>
+                <a:latin typeface="Adobe Caslon Pro" panose="0205050205050A020403"/>
+              </a:rPr>
+              <a:t>R Studio</a:t>
+            </a:r>
+          </a:p>
+          <a:p>
+            <a:pPr lvl="2"/>
+            <a:r>
+              <a:rPr lang="en-US" sz="2400" dirty="0">
+                <a:solidFill>
+                  <a:schemeClr val="tx1"/>
+                </a:solidFill>
+                <a:latin typeface="Adobe Caslon Pro" panose="0205050205050A020403"/>
+              </a:rPr>
+              <a:t>Notebooks</a:t>
             </a:r>
           </a:p>
           <a:p>
@@ -8217,7 +8229,7 @@
     </p:spTree>
     <p:extLst>
       <p:ext uri="{BB962C8B-B14F-4D97-AF65-F5344CB8AC3E}">
-        <p14:creationId xmlns:p14="http://schemas.microsoft.com/office/powerpoint/2010/main" val="3851377837"/>
+        <p14:creationId xmlns:p14="http://schemas.microsoft.com/office/powerpoint/2010/main" val="1821966141"/>
       </p:ext>
     </p:extLst>
   </p:cSld>
@@ -8297,7 +8309,7 @@
         </p:spPr>
         <p:txBody>
           <a:bodyPr>
-            <a:normAutofit/>
+            <a:normAutofit lnSpcReduction="10000"/>
           </a:bodyPr>
           <a:lstStyle/>
           <a:p>
@@ -8308,75 +8320,134 @@
                 </a:solidFill>
                 <a:latin typeface="Adobe Caslon Pro" panose="0205050205050A020403"/>
               </a:rPr>
-              <a:t>Literate Statistical Programming</a:t>
+              <a:t>A proposed structure of analysis*</a:t>
             </a:r>
           </a:p>
           <a:p>
             <a:pPr lvl="1"/>
             <a:r>
-              <a:rPr lang="en-US" sz="2800" dirty="0">
-                <a:solidFill>
-                  <a:schemeClr val="tx1"/>
-                </a:solidFill>
-                <a:latin typeface="Adobe Caslon Pro" panose="0205050205050A020403"/>
-              </a:rPr>
-              <a:t>Combine your analysis and your code into a single document</a:t>
+              <a:rPr lang="en-US" sz="2000" dirty="0">
+                <a:solidFill>
+                  <a:schemeClr val="tx1"/>
+                </a:solidFill>
+                <a:latin typeface="Adobe Caslon Pro" panose="0205050205050A020403"/>
+              </a:rPr>
+              <a:t>Defining the question</a:t>
             </a:r>
           </a:p>
           <a:p>
             <a:pPr lvl="1"/>
             <a:r>
-              <a:rPr lang="en-US" sz="2800" dirty="0">
-                <a:solidFill>
-                  <a:schemeClr val="tx1"/>
-                </a:solidFill>
-                <a:latin typeface="Adobe Caslon Pro" panose="0205050205050A020403"/>
-              </a:rPr>
-              <a:t>There are several tools for this</a:t>
-            </a:r>
-          </a:p>
-          <a:p>
-            <a:pPr lvl="2"/>
-            <a:r>
-              <a:rPr lang="en-US" sz="2400" dirty="0">
-                <a:solidFill>
-                  <a:schemeClr val="tx1"/>
-                </a:solidFill>
-                <a:latin typeface="Adobe Caslon Pro" panose="0205050205050A020403"/>
-              </a:rPr>
-              <a:t>Markdown</a:t>
-            </a:r>
-          </a:p>
-          <a:p>
-            <a:pPr lvl="2"/>
-            <a:r>
-              <a:rPr lang="en-US" sz="2400" dirty="0" err="1">
-                <a:solidFill>
-                  <a:schemeClr val="tx1"/>
-                </a:solidFill>
-                <a:latin typeface="Adobe Caslon Pro" panose="0205050205050A020403"/>
-              </a:rPr>
-              <a:t>RMarkdown</a:t>
-            </a:r>
-            <a:r>
-              <a:rPr lang="en-US" sz="2400" dirty="0">
-                <a:solidFill>
-                  <a:schemeClr val="tx1"/>
-                </a:solidFill>
-                <a:latin typeface="Adobe Caslon Pro" panose="0205050205050A020403"/>
-              </a:rPr>
-              <a:t>/</a:t>
-            </a:r>
-            <a:r>
-              <a:rPr lang="en-US" sz="2400" dirty="0" err="1">
-                <a:solidFill>
-                  <a:schemeClr val="tx1"/>
-                </a:solidFill>
-                <a:latin typeface="Adobe Caslon Pro" panose="0205050205050A020403"/>
-              </a:rPr>
-              <a:t>knitr</a:t>
-            </a:r>
-            <a:endParaRPr lang="en-US" sz="2400" dirty="0">
+              <a:rPr lang="en-US" sz="2000" dirty="0">
+                <a:solidFill>
+                  <a:schemeClr val="tx1"/>
+                </a:solidFill>
+                <a:latin typeface="Adobe Caslon Pro" panose="0205050205050A020403"/>
+              </a:rPr>
+              <a:t>Defining the ideal dataset</a:t>
+            </a:r>
+          </a:p>
+          <a:p>
+            <a:pPr lvl="1"/>
+            <a:r>
+              <a:rPr lang="en-US" sz="2000" dirty="0">
+                <a:solidFill>
+                  <a:schemeClr val="tx1"/>
+                </a:solidFill>
+                <a:latin typeface="Adobe Caslon Pro" panose="0205050205050A020403"/>
+              </a:rPr>
+              <a:t>Determining what data you can access</a:t>
+            </a:r>
+          </a:p>
+          <a:p>
+            <a:pPr lvl="1"/>
+            <a:r>
+              <a:rPr lang="en-US" sz="2000" dirty="0">
+                <a:solidFill>
+                  <a:schemeClr val="tx1"/>
+                </a:solidFill>
+                <a:latin typeface="Adobe Caslon Pro" panose="0205050205050A020403"/>
+              </a:rPr>
+              <a:t>Obtaining the data</a:t>
+            </a:r>
+          </a:p>
+          <a:p>
+            <a:pPr lvl="1"/>
+            <a:r>
+              <a:rPr lang="en-US" sz="2000" dirty="0">
+                <a:solidFill>
+                  <a:schemeClr val="tx1"/>
+                </a:solidFill>
+                <a:latin typeface="Adobe Caslon Pro" panose="0205050205050A020403"/>
+              </a:rPr>
+              <a:t>Cleaning the data</a:t>
+            </a:r>
+          </a:p>
+          <a:p>
+            <a:pPr lvl="1"/>
+            <a:r>
+              <a:rPr lang="en-US" sz="2000" dirty="0">
+                <a:solidFill>
+                  <a:schemeClr val="tx1"/>
+                </a:solidFill>
+                <a:latin typeface="Adobe Caslon Pro" panose="0205050205050A020403"/>
+              </a:rPr>
+              <a:t>Exploratory data analysis</a:t>
+            </a:r>
+          </a:p>
+          <a:p>
+            <a:pPr lvl="1"/>
+            <a:r>
+              <a:rPr lang="en-US" sz="2000" dirty="0">
+                <a:solidFill>
+                  <a:schemeClr val="tx1"/>
+                </a:solidFill>
+                <a:latin typeface="Adobe Caslon Pro" panose="0205050205050A020403"/>
+              </a:rPr>
+              <a:t>Statistical prediction/modeling</a:t>
+            </a:r>
+          </a:p>
+          <a:p>
+            <a:pPr lvl="1"/>
+            <a:r>
+              <a:rPr lang="en-US" sz="2000" dirty="0">
+                <a:solidFill>
+                  <a:schemeClr val="tx1"/>
+                </a:solidFill>
+                <a:latin typeface="Adobe Caslon Pro" panose="0205050205050A020403"/>
+              </a:rPr>
+              <a:t>Interpretation/Challenging of results</a:t>
+            </a:r>
+          </a:p>
+          <a:p>
+            <a:pPr lvl="1"/>
+            <a:r>
+              <a:rPr lang="en-US" sz="2000" dirty="0">
+                <a:solidFill>
+                  <a:schemeClr val="tx1"/>
+                </a:solidFill>
+                <a:latin typeface="Adobe Caslon Pro" panose="0205050205050A020403"/>
+              </a:rPr>
+              <a:t>Synthesis and write up</a:t>
+            </a:r>
+          </a:p>
+          <a:p>
+            <a:pPr lvl="1"/>
+            <a:r>
+              <a:rPr lang="en-US" sz="2000" dirty="0">
+                <a:solidFill>
+                  <a:schemeClr val="tx1"/>
+                </a:solidFill>
+                <a:latin typeface="Adobe Caslon Pro" panose="0205050205050A020403"/>
+              </a:rPr>
+              <a:t>Creating reproducible code</a:t>
+            </a:r>
+          </a:p>
+          <a:p>
+            <a:pPr marL="457200" lvl="1" indent="0" algn="ctr">
+              <a:buNone/>
+            </a:pPr>
+            <a:endParaRPr lang="en-US" sz="2000" dirty="0">
               <a:solidFill>
                 <a:schemeClr val="tx1"/>
               </a:solidFill>
@@ -8384,28 +8455,27 @@
             </a:endParaRPr>
           </a:p>
           <a:p>
-            <a:pPr lvl="2"/>
-            <a:r>
-              <a:rPr lang="en-US" sz="2400" dirty="0">
-                <a:solidFill>
-                  <a:schemeClr val="tx1"/>
-                </a:solidFill>
-                <a:latin typeface="Adobe Caslon Pro" panose="0205050205050A020403"/>
-              </a:rPr>
-              <a:t>R Studio</a:t>
-            </a:r>
-          </a:p>
-          <a:p>
-            <a:pPr lvl="2"/>
-            <a:r>
-              <a:rPr lang="en-US" sz="2400" dirty="0">
-                <a:solidFill>
-                  <a:schemeClr val="tx1"/>
-                </a:solidFill>
-                <a:latin typeface="Adobe Caslon Pro" panose="0205050205050A020403"/>
-              </a:rPr>
-              <a:t>Notebooks</a:t>
-            </a:r>
+            <a:pPr marL="457200" lvl="1" indent="0" algn="ctr">
+              <a:buNone/>
+            </a:pPr>
+            <a:r>
+              <a:rPr lang="en-US" sz="2000" dirty="0">
+                <a:solidFill>
+                  <a:schemeClr val="tx1"/>
+                </a:solidFill>
+                <a:latin typeface="Adobe Caslon Pro" panose="0205050205050A020403"/>
+              </a:rPr>
+              <a:t>*From “Report Writing for Data Science in R”</a:t>
+            </a:r>
+          </a:p>
+          <a:p>
+            <a:pPr lvl="1"/>
+            <a:endParaRPr lang="en-US" sz="2000" dirty="0">
+              <a:solidFill>
+                <a:schemeClr val="tx1"/>
+              </a:solidFill>
+              <a:latin typeface="Adobe Caslon Pro" panose="0205050205050A020403"/>
+            </a:endParaRPr>
           </a:p>
           <a:p>
             <a:endParaRPr lang="en-US" sz="3200" dirty="0">
@@ -8466,7 +8536,7 @@
     </p:spTree>
     <p:extLst>
       <p:ext uri="{BB962C8B-B14F-4D97-AF65-F5344CB8AC3E}">
-        <p14:creationId xmlns:p14="http://schemas.microsoft.com/office/powerpoint/2010/main" val="1821966141"/>
+        <p14:creationId xmlns:p14="http://schemas.microsoft.com/office/powerpoint/2010/main" val="3504249328"/>
       </p:ext>
     </p:extLst>
   </p:cSld>
@@ -8546,7 +8616,7 @@
         </p:spPr>
         <p:txBody>
           <a:bodyPr>
-            <a:normAutofit lnSpcReduction="10000"/>
+            <a:normAutofit/>
           </a:bodyPr>
           <a:lstStyle/>
           <a:p>
@@ -8557,7 +8627,7 @@
                 </a:solidFill>
                 <a:latin typeface="Adobe Caslon Pro" panose="0205050205050A020403"/>
               </a:rPr>
-              <a:t>A proposed structure of analysis*</a:t>
+              <a:t>Reproducibility Checklist*</a:t>
             </a:r>
           </a:p>
           <a:p>
@@ -8569,7 +8639,7 @@
                 </a:solidFill>
                 <a:latin typeface="Adobe Caslon Pro" panose="0205050205050A020403"/>
               </a:rPr>
-              <a:t>Defining the question</a:t>
+              <a:t>Start with good science</a:t>
             </a:r>
           </a:p>
           <a:p>
@@ -8581,7 +8651,7 @@
                 </a:solidFill>
                 <a:latin typeface="Adobe Caslon Pro" panose="0205050205050A020403"/>
               </a:rPr>
-              <a:t>Defining the ideal dataset</a:t>
+              <a:t>Don’t do things by hand</a:t>
             </a:r>
           </a:p>
           <a:p>
@@ -8593,7 +8663,7 @@
                 </a:solidFill>
                 <a:latin typeface="Adobe Caslon Pro" panose="0205050205050A020403"/>
               </a:rPr>
-              <a:t>Determining what data you can access</a:t>
+              <a:t>Don’t point and click</a:t>
             </a:r>
           </a:p>
           <a:p>
@@ -8605,7 +8675,7 @@
                 </a:solidFill>
                 <a:latin typeface="Adobe Caslon Pro" panose="0205050205050A020403"/>
               </a:rPr>
-              <a:t>Obtaining the data</a:t>
+              <a:t>Teach a computer</a:t>
             </a:r>
           </a:p>
           <a:p>
@@ -8617,7 +8687,7 @@
                 </a:solidFill>
                 <a:latin typeface="Adobe Caslon Pro" panose="0205050205050A020403"/>
               </a:rPr>
-              <a:t>Cleaning the data</a:t>
+              <a:t>Use version control</a:t>
             </a:r>
           </a:p>
           <a:p>
@@ -8629,7 +8699,7 @@
                 </a:solidFill>
                 <a:latin typeface="Adobe Caslon Pro" panose="0205050205050A020403"/>
               </a:rPr>
-              <a:t>Exploratory data analysis</a:t>
+              <a:t>Keep track of your software environment</a:t>
             </a:r>
           </a:p>
           <a:p>
@@ -8641,7 +8711,7 @@
                 </a:solidFill>
                 <a:latin typeface="Adobe Caslon Pro" panose="0205050205050A020403"/>
               </a:rPr>
-              <a:t>Statistical prediction/modeling</a:t>
+              <a:t>Don’t save output</a:t>
             </a:r>
           </a:p>
           <a:p>
@@ -8653,7 +8723,7 @@
                 </a:solidFill>
                 <a:latin typeface="Adobe Caslon Pro" panose="0205050205050A020403"/>
               </a:rPr>
-              <a:t>Interpretation/Challenging of results</a:t>
+              <a:t>Set your seed</a:t>
             </a:r>
           </a:p>
           <a:p>
@@ -8665,19 +8735,7 @@
                 </a:solidFill>
                 <a:latin typeface="Adobe Caslon Pro" panose="0205050205050A020403"/>
               </a:rPr>
-              <a:t>Synthesis and write up</a:t>
-            </a:r>
-          </a:p>
-          <a:p>
-            <a:pPr lvl="1"/>
-            <a:r>
-              <a:rPr lang="en-US" sz="2000" dirty="0">
-                <a:solidFill>
-                  <a:schemeClr val="tx1"/>
-                </a:solidFill>
-                <a:latin typeface="Adobe Caslon Pro" panose="0205050205050A020403"/>
-              </a:rPr>
-              <a:t>Creating reproducible code</a:t>
+              <a:t>Think about the entire pipeline</a:t>
             </a:r>
           </a:p>
           <a:p>
@@ -8773,7 +8831,7 @@
     </p:spTree>
     <p:extLst>
       <p:ext uri="{BB962C8B-B14F-4D97-AF65-F5344CB8AC3E}">
-        <p14:creationId xmlns:p14="http://schemas.microsoft.com/office/powerpoint/2010/main" val="3504249328"/>
+        <p14:creationId xmlns:p14="http://schemas.microsoft.com/office/powerpoint/2010/main" val="926884397"/>
       </p:ext>
     </p:extLst>
   </p:cSld>
@@ -8830,7 +8888,7 @@
                 </a:solidFill>
                 <a:latin typeface="Adobe Caslon Pro" panose="0205050205050A020403" pitchFamily="18" charset="0"/>
               </a:rPr>
-              <a:t>Reproducible Research</a:t>
+              <a:t>Opinionated Analysis Development</a:t>
             </a:r>
           </a:p>
         </p:txBody>
@@ -8864,122 +8922,59 @@
                 </a:solidFill>
                 <a:latin typeface="Adobe Caslon Pro" panose="0205050205050A020403"/>
               </a:rPr>
-              <a:t>Reproducibility Checklist*</a:t>
+              <a:t>Read Opinionated Analysis Development</a:t>
             </a:r>
           </a:p>
           <a:p>
             <a:pPr lvl="1"/>
             <a:r>
-              <a:rPr lang="en-US" sz="2000" dirty="0">
-                <a:solidFill>
-                  <a:schemeClr val="tx1"/>
-                </a:solidFill>
-                <a:latin typeface="Adobe Caslon Pro" panose="0205050205050A020403"/>
-              </a:rPr>
-              <a:t>Start with good science</a:t>
-            </a:r>
-          </a:p>
-          <a:p>
-            <a:pPr lvl="1"/>
-            <a:r>
-              <a:rPr lang="en-US" sz="2000" dirty="0">
-                <a:solidFill>
-                  <a:schemeClr val="tx1"/>
-                </a:solidFill>
-                <a:latin typeface="Adobe Caslon Pro" panose="0205050205050A020403"/>
-              </a:rPr>
-              <a:t>Don’t do things by hand</a:t>
-            </a:r>
-          </a:p>
-          <a:p>
-            <a:pPr lvl="1"/>
-            <a:r>
-              <a:rPr lang="en-US" sz="2000" dirty="0">
-                <a:solidFill>
-                  <a:schemeClr val="tx1"/>
-                </a:solidFill>
-                <a:latin typeface="Adobe Caslon Pro" panose="0205050205050A020403"/>
-              </a:rPr>
-              <a:t>Don’t point and click</a:t>
-            </a:r>
-          </a:p>
-          <a:p>
-            <a:pPr lvl="1"/>
-            <a:r>
-              <a:rPr lang="en-US" sz="2000" dirty="0">
-                <a:solidFill>
-                  <a:schemeClr val="tx1"/>
-                </a:solidFill>
-                <a:latin typeface="Adobe Caslon Pro" panose="0205050205050A020403"/>
-              </a:rPr>
-              <a:t>Teach a computer</a:t>
-            </a:r>
-          </a:p>
-          <a:p>
-            <a:pPr lvl="1"/>
-            <a:r>
-              <a:rPr lang="en-US" sz="2000" dirty="0">
-                <a:solidFill>
-                  <a:schemeClr val="tx1"/>
-                </a:solidFill>
-                <a:latin typeface="Adobe Caslon Pro" panose="0205050205050A020403"/>
-              </a:rPr>
-              <a:t>Use version control</a:t>
-            </a:r>
-          </a:p>
-          <a:p>
-            <a:pPr lvl="1"/>
-            <a:r>
-              <a:rPr lang="en-US" sz="2000" dirty="0">
-                <a:solidFill>
-                  <a:schemeClr val="tx1"/>
-                </a:solidFill>
-                <a:latin typeface="Adobe Caslon Pro" panose="0205050205050A020403"/>
-              </a:rPr>
-              <a:t>Keep track of your software environment</a:t>
-            </a:r>
-          </a:p>
-          <a:p>
-            <a:pPr lvl="1"/>
-            <a:r>
-              <a:rPr lang="en-US" sz="2000" dirty="0">
-                <a:solidFill>
-                  <a:schemeClr val="tx1"/>
-                </a:solidFill>
-                <a:latin typeface="Adobe Caslon Pro" panose="0205050205050A020403"/>
-              </a:rPr>
-              <a:t>Don’t save output</a:t>
-            </a:r>
-          </a:p>
-          <a:p>
-            <a:pPr lvl="1"/>
-            <a:r>
-              <a:rPr lang="en-US" sz="2000" dirty="0">
-                <a:solidFill>
-                  <a:schemeClr val="tx1"/>
-                </a:solidFill>
-                <a:latin typeface="Adobe Caslon Pro" panose="0205050205050A020403"/>
-              </a:rPr>
-              <a:t>Set your seed</a:t>
-            </a:r>
-          </a:p>
-          <a:p>
-            <a:pPr lvl="1"/>
-            <a:r>
-              <a:rPr lang="en-US" sz="2000" dirty="0">
-                <a:solidFill>
-                  <a:schemeClr val="tx1"/>
-                </a:solidFill>
-                <a:latin typeface="Adobe Caslon Pro" panose="0205050205050A020403"/>
-              </a:rPr>
-              <a:t>Think about the entire pipeline</a:t>
+              <a:rPr lang="en-US" sz="3200" dirty="0">
+                <a:solidFill>
+                  <a:schemeClr val="tx1"/>
+                </a:solidFill>
+                <a:latin typeface="Adobe Caslon Pro" panose="0205050205050A020403"/>
+              </a:rPr>
+              <a:t>Link in references</a:t>
+            </a:r>
+          </a:p>
+          <a:p>
+            <a:r>
+              <a:rPr lang="en-US" sz="3200" dirty="0">
+                <a:solidFill>
+                  <a:schemeClr val="tx1"/>
+                </a:solidFill>
+                <a:latin typeface="Adobe Caslon Pro" panose="0205050205050A020403"/>
+              </a:rPr>
+              <a:t>Opinionated analysis = analysis that follows certain practices</a:t>
+            </a:r>
+          </a:p>
+          <a:p>
+            <a:r>
+              <a:rPr lang="en-US" sz="3200" dirty="0">
+                <a:solidFill>
+                  <a:schemeClr val="tx1"/>
+                </a:solidFill>
+                <a:latin typeface="Adobe Caslon Pro" panose="0205050205050A020403"/>
+              </a:rPr>
+              <a:t>Follows on to the principals of reproducible  research</a:t>
+            </a:r>
+          </a:p>
+          <a:p>
+            <a:r>
+              <a:rPr lang="en-US" sz="3200" dirty="0">
+                <a:solidFill>
+                  <a:schemeClr val="tx1"/>
+                </a:solidFill>
+                <a:latin typeface="Adobe Caslon Pro" panose="0205050205050A020403"/>
+              </a:rPr>
+              <a:t>Lays out a framework for how an analysis should be completed</a:t>
             </a:r>
           </a:p>
           <a:p>
             <a:pPr marL="457200" lvl="1" indent="0" algn="ctr">
               <a:buNone/>
             </a:pPr>
-            <a:endParaRPr lang="en-US" sz="2000" dirty="0">
+            <a:endParaRPr lang="en-US" sz="3200" dirty="0">
               <a:solidFill>
                 <a:schemeClr val="tx1"/>
               </a:solidFill>
@@ -8990,19 +8985,16 @@
             <a:pPr marL="457200" lvl="1" indent="0" algn="ctr">
               <a:buNone/>
             </a:pPr>
-            <a:r>
-              <a:rPr lang="en-US" sz="2000" dirty="0">
-                <a:solidFill>
-                  <a:schemeClr val="tx1"/>
-                </a:solidFill>
-                <a:latin typeface="Adobe Caslon Pro" panose="0205050205050A020403"/>
-              </a:rPr>
-              <a:t>*From “Report Writing for Data Science in R”</a:t>
-            </a:r>
+            <a:endParaRPr lang="en-US" sz="3200" dirty="0">
+              <a:solidFill>
+                <a:schemeClr val="tx1"/>
+              </a:solidFill>
+              <a:latin typeface="Adobe Caslon Pro" panose="0205050205050A020403"/>
+            </a:endParaRPr>
           </a:p>
           <a:p>
             <a:pPr lvl="1"/>
-            <a:endParaRPr lang="en-US" sz="2000" dirty="0">
+            <a:endParaRPr lang="en-US" sz="3200" dirty="0">
               <a:solidFill>
                 <a:schemeClr val="tx1"/>
               </a:solidFill>
@@ -9068,7 +9060,7 @@
     </p:spTree>
     <p:extLst>
       <p:ext uri="{BB962C8B-B14F-4D97-AF65-F5344CB8AC3E}">
-        <p14:creationId xmlns:p14="http://schemas.microsoft.com/office/powerpoint/2010/main" val="926884397"/>
+        <p14:creationId xmlns:p14="http://schemas.microsoft.com/office/powerpoint/2010/main" val="1761125128"/>
       </p:ext>
     </p:extLst>
   </p:cSld>
@@ -9306,7 +9298,7 @@
                 </a:solidFill>
                 <a:latin typeface="Adobe Caslon Pro" panose="0205050205050A020403" pitchFamily="18" charset="0"/>
               </a:rPr>
-              <a:t>Opinionated Analysis Development</a:t>
+              <a:t>Tidy Data</a:t>
             </a:r>
           </a:p>
         </p:txBody>
@@ -9340,7 +9332,7 @@
                 </a:solidFill>
                 <a:latin typeface="Adobe Caslon Pro" panose="0205050205050A020403"/>
               </a:rPr>
-              <a:t>Read Opinionated Analysis Development</a:t>
+              <a:t>Three rules that make data tidy:</a:t>
             </a:r>
           </a:p>
           <a:p>
@@ -9352,10 +9344,11 @@
                 </a:solidFill>
                 <a:latin typeface="Adobe Caslon Pro" panose="0205050205050A020403"/>
               </a:rPr>
-              <a:t>Link in references</a:t>
-            </a:r>
-          </a:p>
-          <a:p>
+              <a:t>Each variable must have its own column.</a:t>
+            </a:r>
+          </a:p>
+          <a:p>
+            <a:pPr lvl="1"/>
             <a:r>
               <a:rPr lang="en-US" sz="3200" dirty="0">
                 <a:solidFill>
@@ -9363,10 +9356,11 @@
                 </a:solidFill>
                 <a:latin typeface="Adobe Caslon Pro" panose="0205050205050A020403"/>
               </a:rPr>
-              <a:t>Opinionated analysis = analysis that follows certain practices</a:t>
-            </a:r>
-          </a:p>
-          <a:p>
+              <a:t>Each observation must have its own row.</a:t>
+            </a:r>
+          </a:p>
+          <a:p>
+            <a:pPr lvl="1"/>
             <a:r>
               <a:rPr lang="en-US" sz="3200" dirty="0">
                 <a:solidFill>
@@ -9374,24 +9368,10 @@
                 </a:solidFill>
                 <a:latin typeface="Adobe Caslon Pro" panose="0205050205050A020403"/>
               </a:rPr>
-              <a:t>Follows on to the principals of reproducible  research</a:t>
-            </a:r>
-          </a:p>
-          <a:p>
-            <a:r>
-              <a:rPr lang="en-US" sz="3200" dirty="0">
-                <a:solidFill>
-                  <a:schemeClr val="tx1"/>
-                </a:solidFill>
-                <a:latin typeface="Adobe Caslon Pro" panose="0205050205050A020403"/>
-              </a:rPr>
-              <a:t>Lays out a framework for how an analysis should be completed</a:t>
-            </a:r>
-          </a:p>
-          <a:p>
-            <a:pPr marL="457200" lvl="1" indent="0" algn="ctr">
-              <a:buNone/>
-            </a:pPr>
+              <a:t>Each value must have its own cell.</a:t>
+            </a:r>
+          </a:p>
+          <a:p>
             <a:endParaRPr lang="en-US" sz="3200" dirty="0">
               <a:solidFill>
                 <a:schemeClr val="tx1"/>
@@ -9400,15 +9380,34 @@
             </a:endParaRPr>
           </a:p>
           <a:p>
-            <a:pPr marL="457200" lvl="1" indent="0" algn="ctr">
-              <a:buNone/>
-            </a:pPr>
+            <a:r>
+              <a:rPr lang="en-US" sz="3200" dirty="0">
+                <a:solidFill>
+                  <a:schemeClr val="tx1"/>
+                </a:solidFill>
+                <a:latin typeface="Adobe Caslon Pro" panose="0205050205050A020403"/>
+              </a:rPr>
+              <a:t>No you’re not crazy. Yes that’s third normal form.</a:t>
+            </a:r>
+          </a:p>
+          <a:p>
             <a:endParaRPr lang="en-US" sz="3200" dirty="0">
               <a:solidFill>
                 <a:schemeClr val="tx1"/>
               </a:solidFill>
               <a:latin typeface="Adobe Caslon Pro" panose="0205050205050A020403"/>
             </a:endParaRPr>
+          </a:p>
+          <a:p>
+            <a:r>
+              <a:rPr lang="en-US" sz="3200" dirty="0">
+                <a:solidFill>
+                  <a:schemeClr val="tx1"/>
+                </a:solidFill>
+                <a:latin typeface="Adobe Caslon Pro" panose="0205050205050A020403"/>
+              </a:rPr>
+              <a:t>I don’t have to deal with this issue often if ever.</a:t>
+            </a:r>
           </a:p>
           <a:p>
             <a:pPr lvl="1"/>
@@ -9478,7 +9477,7 @@
     </p:spTree>
     <p:extLst>
       <p:ext uri="{BB962C8B-B14F-4D97-AF65-F5344CB8AC3E}">
-        <p14:creationId xmlns:p14="http://schemas.microsoft.com/office/powerpoint/2010/main" val="1761125128"/>
+        <p14:creationId xmlns:p14="http://schemas.microsoft.com/office/powerpoint/2010/main" val="3265217111"/>
       </p:ext>
     </p:extLst>
   </p:cSld>
@@ -9535,7 +9534,7 @@
                 </a:solidFill>
                 <a:latin typeface="Adobe Caslon Pro" panose="0205050205050A020403" pitchFamily="18" charset="0"/>
               </a:rPr>
-              <a:t>Reproducible Research</a:t>
+              <a:t>Tidyverse</a:t>
             </a:r>
           </a:p>
         </p:txBody>
@@ -9558,7 +9557,7 @@
         </p:spPr>
         <p:txBody>
           <a:bodyPr>
-            <a:normAutofit/>
+            <a:normAutofit lnSpcReduction="10000"/>
           </a:bodyPr>
           <a:lstStyle/>
           <a:p>
@@ -9569,122 +9568,18 @@
                 </a:solidFill>
                 <a:latin typeface="Adobe Caslon Pro" panose="0205050205050A020403"/>
               </a:rPr>
-              <a:t>Reproducibility Checklist*</a:t>
-            </a:r>
-          </a:p>
-          <a:p>
-            <a:pPr lvl="1"/>
-            <a:r>
-              <a:rPr lang="en-US" sz="2000" dirty="0">
-                <a:solidFill>
-                  <a:schemeClr val="tx1"/>
-                </a:solidFill>
-                <a:latin typeface="Adobe Caslon Pro" panose="0205050205050A020403"/>
-              </a:rPr>
-              <a:t>Start with good science</a:t>
-            </a:r>
-          </a:p>
-          <a:p>
-            <a:pPr lvl="1"/>
-            <a:r>
-              <a:rPr lang="en-US" sz="2000" dirty="0">
-                <a:solidFill>
-                  <a:schemeClr val="tx1"/>
-                </a:solidFill>
-                <a:latin typeface="Adobe Caslon Pro" panose="0205050205050A020403"/>
-              </a:rPr>
-              <a:t>Don’t do things by hand</a:t>
-            </a:r>
-          </a:p>
-          <a:p>
-            <a:pPr lvl="1"/>
-            <a:r>
-              <a:rPr lang="en-US" sz="2000" dirty="0">
-                <a:solidFill>
-                  <a:schemeClr val="tx1"/>
-                </a:solidFill>
-                <a:latin typeface="Adobe Caslon Pro" panose="0205050205050A020403"/>
-              </a:rPr>
-              <a:t>Don’t point and click</a:t>
-            </a:r>
-          </a:p>
-          <a:p>
-            <a:pPr lvl="1"/>
-            <a:r>
-              <a:rPr lang="en-US" sz="2000" dirty="0">
-                <a:solidFill>
-                  <a:schemeClr val="tx1"/>
-                </a:solidFill>
-                <a:latin typeface="Adobe Caslon Pro" panose="0205050205050A020403"/>
-              </a:rPr>
-              <a:t>Teach a computer</a:t>
-            </a:r>
-          </a:p>
-          <a:p>
-            <a:pPr lvl="1"/>
-            <a:r>
-              <a:rPr lang="en-US" sz="2000" dirty="0">
-                <a:solidFill>
-                  <a:schemeClr val="tx1"/>
-                </a:solidFill>
-                <a:latin typeface="Adobe Caslon Pro" panose="0205050205050A020403"/>
-              </a:rPr>
-              <a:t>Use version control</a:t>
-            </a:r>
-          </a:p>
-          <a:p>
-            <a:pPr lvl="1"/>
-            <a:r>
-              <a:rPr lang="en-US" sz="2000" dirty="0">
-                <a:solidFill>
-                  <a:schemeClr val="tx1"/>
-                </a:solidFill>
-                <a:latin typeface="Adobe Caslon Pro" panose="0205050205050A020403"/>
-              </a:rPr>
-              <a:t>Keep track of your software environment</a:t>
-            </a:r>
-          </a:p>
-          <a:p>
-            <a:pPr lvl="1"/>
-            <a:r>
-              <a:rPr lang="en-US" sz="2000" dirty="0">
-                <a:solidFill>
-                  <a:schemeClr val="tx1"/>
-                </a:solidFill>
-                <a:latin typeface="Adobe Caslon Pro" panose="0205050205050A020403"/>
-              </a:rPr>
-              <a:t>Don’t save output</a:t>
-            </a:r>
-          </a:p>
-          <a:p>
-            <a:pPr lvl="1"/>
-            <a:r>
-              <a:rPr lang="en-US" sz="2000" dirty="0">
-                <a:solidFill>
-                  <a:schemeClr val="tx1"/>
-                </a:solidFill>
-                <a:latin typeface="Adobe Caslon Pro" panose="0205050205050A020403"/>
-              </a:rPr>
-              <a:t>Set your seed</a:t>
-            </a:r>
-          </a:p>
-          <a:p>
-            <a:pPr lvl="1"/>
-            <a:r>
-              <a:rPr lang="en-US" sz="2000" dirty="0">
-                <a:solidFill>
-                  <a:schemeClr val="tx1"/>
-                </a:solidFill>
-                <a:latin typeface="Adobe Caslon Pro" panose="0205050205050A020403"/>
-              </a:rPr>
-              <a:t>Think about the entire pipeline</a:t>
-            </a:r>
-          </a:p>
-          <a:p>
-            <a:pPr marL="457200" lvl="1" indent="0" algn="ctr">
-              <a:buNone/>
-            </a:pPr>
-            <a:endParaRPr lang="en-US" sz="2000" dirty="0">
+              <a:t>Used to be called the </a:t>
+            </a:r>
+            <a:r>
+              <a:rPr lang="en-US" sz="3200" dirty="0" err="1">
+                <a:solidFill>
+                  <a:schemeClr val="tx1"/>
+                </a:solidFill>
+                <a:latin typeface="Adobe Caslon Pro" panose="0205050205050A020403"/>
+              </a:rPr>
+              <a:t>Hadleyverse</a:t>
+            </a:r>
+            <a:endParaRPr lang="en-US" sz="3200" dirty="0">
               <a:solidFill>
                 <a:schemeClr val="tx1"/>
               </a:solidFill>
@@ -9692,22 +9587,73 @@
             </a:endParaRPr>
           </a:p>
           <a:p>
-            <a:pPr marL="457200" lvl="1" indent="0" algn="ctr">
-              <a:buNone/>
-            </a:pPr>
-            <a:r>
-              <a:rPr lang="en-US" sz="2000" dirty="0">
-                <a:solidFill>
-                  <a:schemeClr val="tx1"/>
-                </a:solidFill>
-                <a:latin typeface="Adobe Caslon Pro" panose="0205050205050A020403"/>
-              </a:rPr>
-              <a:t>*From “Report Writing for Data Science in R”</a:t>
-            </a:r>
+            <a:endParaRPr lang="en-US" sz="3200" dirty="0">
+              <a:solidFill>
+                <a:schemeClr val="tx1"/>
+              </a:solidFill>
+              <a:latin typeface="Adobe Caslon Pro" panose="0205050205050A020403"/>
+            </a:endParaRPr>
+          </a:p>
+          <a:p>
+            <a:r>
+              <a:rPr lang="en-US" sz="3200" dirty="0">
+                <a:solidFill>
+                  <a:schemeClr val="tx1"/>
+                </a:solidFill>
+                <a:latin typeface="Adobe Caslon Pro" panose="0205050205050A020403"/>
+              </a:rPr>
+              <a:t>An ecosystem of packages designed with common APIs and a shared philosophy</a:t>
+            </a:r>
+          </a:p>
+          <a:p>
+            <a:endParaRPr lang="en-US" sz="3200" dirty="0">
+              <a:solidFill>
+                <a:schemeClr val="tx1"/>
+              </a:solidFill>
+              <a:latin typeface="Adobe Caslon Pro" panose="0205050205050A020403"/>
+            </a:endParaRPr>
+          </a:p>
+          <a:p>
+            <a:r>
+              <a:rPr lang="en-US" sz="3200" dirty="0">
+                <a:solidFill>
+                  <a:schemeClr val="tx1"/>
+                </a:solidFill>
+                <a:latin typeface="Adobe Caslon Pro" panose="0205050205050A020403"/>
+              </a:rPr>
+              <a:t>Helps you get your data tidy</a:t>
+            </a:r>
+          </a:p>
+          <a:p>
+            <a:endParaRPr lang="en-US" sz="3200" dirty="0">
+              <a:solidFill>
+                <a:schemeClr val="tx1"/>
+              </a:solidFill>
+              <a:latin typeface="Adobe Caslon Pro" panose="0205050205050A020403"/>
+            </a:endParaRPr>
+          </a:p>
+          <a:p>
+            <a:r>
+              <a:rPr lang="en-US" sz="3200" dirty="0">
+                <a:solidFill>
+                  <a:schemeClr val="tx1"/>
+                </a:solidFill>
+                <a:latin typeface="Adobe Caslon Pro" panose="0205050205050A020403"/>
+              </a:rPr>
+              <a:t>Also assumes that your data is tidy</a:t>
+            </a:r>
+          </a:p>
+          <a:p>
+            <a:endParaRPr lang="en-US" sz="3200" dirty="0">
+              <a:solidFill>
+                <a:schemeClr val="tx1"/>
+              </a:solidFill>
+              <a:latin typeface="Adobe Caslon Pro" panose="0205050205050A020403"/>
+            </a:endParaRPr>
           </a:p>
           <a:p>
             <a:pPr lvl="1"/>
-            <a:endParaRPr lang="en-US" sz="2000" dirty="0">
+            <a:endParaRPr lang="en-US" sz="3200" dirty="0">
               <a:solidFill>
                 <a:schemeClr val="tx1"/>
               </a:solidFill>
@@ -9773,7 +9719,7 @@
     </p:spTree>
     <p:extLst>
       <p:ext uri="{BB962C8B-B14F-4D97-AF65-F5344CB8AC3E}">
-        <p14:creationId xmlns:p14="http://schemas.microsoft.com/office/powerpoint/2010/main" val="3122138202"/>
+        <p14:creationId xmlns:p14="http://schemas.microsoft.com/office/powerpoint/2010/main" val="363115800"/>
       </p:ext>
     </p:extLst>
   </p:cSld>
@@ -9830,7 +9776,7 @@
                 </a:solidFill>
                 <a:latin typeface="Adobe Caslon Pro" panose="0205050205050A020403" pitchFamily="18" charset="0"/>
               </a:rPr>
-              <a:t>Tidy Data</a:t>
+              <a:t>Part II: Tools</a:t>
             </a:r>
           </a:p>
         </p:txBody>
@@ -9847,64 +9793,71 @@
         </p:nvSpPr>
         <p:spPr>
           <a:xfrm>
-            <a:off x="838200" y="1825625"/>
+            <a:off x="838200" y="1526803"/>
             <a:ext cx="10233800" cy="4351338"/>
           </a:xfrm>
         </p:spPr>
         <p:txBody>
           <a:bodyPr>
-            <a:normAutofit/>
+            <a:noAutofit/>
           </a:bodyPr>
           <a:lstStyle/>
           <a:p>
             <a:r>
-              <a:rPr lang="en-US" sz="3200" dirty="0">
-                <a:solidFill>
-                  <a:schemeClr val="tx1"/>
-                </a:solidFill>
-                <a:latin typeface="Adobe Caslon Pro" panose="0205050205050A020403"/>
-              </a:rPr>
-              <a:t>Three rules that make data tidy:</a:t>
+              <a:rPr lang="en-US" dirty="0">
+                <a:solidFill>
+                  <a:schemeClr val="tx1"/>
+                </a:solidFill>
+                <a:latin typeface="Adobe Caslon Pro" panose="0205050205050A020403"/>
+              </a:rPr>
+              <a:t>Git</a:t>
             </a:r>
           </a:p>
           <a:p>
             <a:pPr lvl="1"/>
             <a:r>
-              <a:rPr lang="en-US" sz="3200" dirty="0">
-                <a:solidFill>
-                  <a:schemeClr val="tx1"/>
-                </a:solidFill>
-                <a:latin typeface="Adobe Caslon Pro" panose="0205050205050A020403"/>
-              </a:rPr>
-              <a:t>Each variable must have its own column.</a:t>
+              <a:rPr lang="en-US" sz="2800" dirty="0">
+                <a:solidFill>
+                  <a:schemeClr val="tx1"/>
+                </a:solidFill>
+                <a:latin typeface="Adobe Caslon Pro" panose="0205050205050A020403"/>
+              </a:rPr>
+              <a:t>Modern Source Control</a:t>
             </a:r>
           </a:p>
           <a:p>
             <a:pPr lvl="1"/>
             <a:r>
-              <a:rPr lang="en-US" sz="3200" dirty="0">
-                <a:solidFill>
-                  <a:schemeClr val="tx1"/>
-                </a:solidFill>
-                <a:latin typeface="Adobe Caslon Pro" panose="0205050205050A020403"/>
-              </a:rPr>
-              <a:t>Each observation must have its own row.</a:t>
+              <a:rPr lang="en-US" sz="2800" dirty="0">
+                <a:solidFill>
+                  <a:schemeClr val="tx1"/>
+                </a:solidFill>
+                <a:latin typeface="Adobe Caslon Pro" panose="0205050205050A020403"/>
+              </a:rPr>
+              <a:t>Code repositories: GitHub and Bitbucket</a:t>
             </a:r>
           </a:p>
           <a:p>
             <a:pPr lvl="1"/>
             <a:r>
-              <a:rPr lang="en-US" sz="3200" dirty="0">
-                <a:solidFill>
-                  <a:schemeClr val="tx1"/>
-                </a:solidFill>
-                <a:latin typeface="Adobe Caslon Pro" panose="0205050205050A020403"/>
-              </a:rPr>
-              <a:t>Each value must have its own cell.</a:t>
-            </a:r>
-          </a:p>
-          <a:p>
-            <a:endParaRPr lang="en-US" sz="3200" dirty="0">
+              <a:rPr lang="en-US" sz="2800" dirty="0">
+                <a:solidFill>
+                  <a:schemeClr val="tx1"/>
+                </a:solidFill>
+                <a:latin typeface="Adobe Caslon Pro" panose="0205050205050A020403"/>
+              </a:rPr>
+              <a:t>GUI: </a:t>
+            </a:r>
+            <a:r>
+              <a:rPr lang="en-US" sz="2800" dirty="0" err="1">
+                <a:solidFill>
+                  <a:schemeClr val="tx1"/>
+                </a:solidFill>
+                <a:latin typeface="Adobe Caslon Pro" panose="0205050205050A020403"/>
+              </a:rPr>
+              <a:t>Sourcetree</a:t>
+            </a:r>
+            <a:endParaRPr lang="en-US" sz="2800" dirty="0">
               <a:solidFill>
                 <a:schemeClr val="tx1"/>
               </a:solidFill>
@@ -9912,18 +9865,8 @@
             </a:endParaRPr>
           </a:p>
           <a:p>
-            <a:r>
-              <a:rPr lang="en-US" sz="3200" dirty="0">
-                <a:solidFill>
-                  <a:schemeClr val="tx1"/>
-                </a:solidFill>
-                <a:latin typeface="Adobe Caslon Pro" panose="0205050205050A020403"/>
-              </a:rPr>
-              <a:t>No you’re not crazy. Yes that’s third normal form.</a:t>
-            </a:r>
-          </a:p>
-          <a:p>
-            <a:endParaRPr lang="en-US" sz="3200" dirty="0">
+            <a:pPr lvl="1"/>
+            <a:endParaRPr lang="en-US" sz="2800" dirty="0">
               <a:solidFill>
                 <a:schemeClr val="tx1"/>
               </a:solidFill>
@@ -9932,18 +9875,33 @@
           </a:p>
           <a:p>
             <a:r>
-              <a:rPr lang="en-US" sz="3200" dirty="0">
-                <a:solidFill>
-                  <a:schemeClr val="tx1"/>
-                </a:solidFill>
-                <a:latin typeface="Adobe Caslon Pro" panose="0205050205050A020403"/>
-              </a:rPr>
-              <a:t>I don’t have to deal with this issue often if ever.</a:t>
-            </a:r>
-          </a:p>
-          <a:p>
-            <a:pPr lvl="1"/>
-            <a:endParaRPr lang="en-US" sz="3200" dirty="0">
+              <a:rPr lang="en-US" dirty="0" err="1">
+                <a:solidFill>
+                  <a:schemeClr val="tx1"/>
+                </a:solidFill>
+                <a:latin typeface="Adobe Caslon Pro" panose="0205050205050A020403"/>
+              </a:rPr>
+              <a:t>Rmarkdown</a:t>
+            </a:r>
+            <a:r>
+              <a:rPr lang="en-US" dirty="0">
+                <a:solidFill>
+                  <a:schemeClr val="tx1"/>
+                </a:solidFill>
+                <a:latin typeface="Adobe Caslon Pro" panose="0205050205050A020403"/>
+              </a:rPr>
+              <a:t>/</a:t>
+            </a:r>
+            <a:r>
+              <a:rPr lang="en-US" dirty="0" err="1">
+                <a:solidFill>
+                  <a:schemeClr val="tx1"/>
+                </a:solidFill>
+                <a:latin typeface="Adobe Caslon Pro" panose="0205050205050A020403"/>
+              </a:rPr>
+              <a:t>knitr</a:t>
+            </a:r>
+            <a:endParaRPr lang="en-US" dirty="0">
               <a:solidFill>
                 <a:schemeClr val="tx1"/>
               </a:solidFill>
@@ -9951,7 +9909,20 @@
             </a:endParaRPr>
           </a:p>
           <a:p>
-            <a:endParaRPr lang="en-US" sz="3200" dirty="0">
+            <a:pPr lvl="1"/>
+            <a:r>
+              <a:rPr lang="en-US" sz="2800" dirty="0">
+                <a:solidFill>
+                  <a:schemeClr val="tx1"/>
+                </a:solidFill>
+                <a:latin typeface="Adobe Caslon Pro" panose="0205050205050A020403"/>
+              </a:rPr>
+              <a:t>Appears to be strictly an R Studio thing</a:t>
+            </a:r>
+          </a:p>
+          <a:p>
+            <a:pPr lvl="1"/>
+            <a:endParaRPr lang="en-US" sz="2800" dirty="0">
               <a:solidFill>
                 <a:schemeClr val="tx1"/>
               </a:solidFill>
@@ -9959,7 +9930,58 @@
             </a:endParaRPr>
           </a:p>
           <a:p>
-            <a:endParaRPr lang="en-US" sz="3200" dirty="0">
+            <a:r>
+              <a:rPr lang="en-US" dirty="0" err="1">
+                <a:solidFill>
+                  <a:schemeClr val="tx1"/>
+                </a:solidFill>
+                <a:latin typeface="Adobe Caslon Pro" panose="0205050205050A020403"/>
+              </a:rPr>
+              <a:t>Pandoc</a:t>
+            </a:r>
+            <a:r>
+              <a:rPr lang="en-US" dirty="0">
+                <a:solidFill>
+                  <a:schemeClr val="tx1"/>
+                </a:solidFill>
+                <a:latin typeface="Adobe Caslon Pro" panose="0205050205050A020403"/>
+              </a:rPr>
+              <a:t> Markdown/Jupyter</a:t>
+            </a:r>
+          </a:p>
+          <a:p>
+            <a:pPr lvl="1"/>
+            <a:r>
+              <a:rPr lang="en-US" sz="2800" dirty="0">
+                <a:solidFill>
+                  <a:schemeClr val="tx1"/>
+                </a:solidFill>
+                <a:latin typeface="Adobe Caslon Pro" panose="0205050205050A020403"/>
+              </a:rPr>
+              <a:t>Julia, Python, R</a:t>
+            </a:r>
+          </a:p>
+          <a:p>
+            <a:pPr lvl="1"/>
+            <a:r>
+              <a:rPr lang="en-US" sz="2800" dirty="0">
+                <a:solidFill>
+                  <a:schemeClr val="tx1"/>
+                </a:solidFill>
+                <a:latin typeface="Adobe Caslon Pro" panose="0205050205050A020403"/>
+              </a:rPr>
+              <a:t>Rebranded </a:t>
+            </a:r>
+            <a:r>
+              <a:rPr lang="en-US" sz="2800" dirty="0" err="1">
+                <a:solidFill>
+                  <a:schemeClr val="tx1"/>
+                </a:solidFill>
+                <a:latin typeface="Adobe Caslon Pro" panose="0205050205050A020403"/>
+              </a:rPr>
+              <a:t>Ipython</a:t>
+            </a:r>
+            <a:endParaRPr lang="en-US" sz="2800" dirty="0">
               <a:solidFill>
                 <a:schemeClr val="tx1"/>
               </a:solidFill>
@@ -9967,7 +9989,70 @@
             </a:endParaRPr>
           </a:p>
           <a:p>
-            <a:endParaRPr lang="en-US" sz="3200" dirty="0">
+            <a:endParaRPr lang="en-US" dirty="0">
+              <a:solidFill>
+                <a:schemeClr val="tx1"/>
+              </a:solidFill>
+              <a:latin typeface="Adobe Caslon Pro" panose="0205050205050A020403"/>
+            </a:endParaRPr>
+          </a:p>
+          <a:p>
+            <a:endParaRPr lang="en-US" dirty="0">
+              <a:solidFill>
+                <a:schemeClr val="tx1"/>
+              </a:solidFill>
+              <a:latin typeface="Adobe Caslon Pro" panose="0205050205050A020403"/>
+            </a:endParaRPr>
+          </a:p>
+          <a:p>
+            <a:pPr marL="457200" lvl="1" indent="0" algn="ctr">
+              <a:buNone/>
+            </a:pPr>
+            <a:endParaRPr lang="en-US" sz="2800" dirty="0">
+              <a:solidFill>
+                <a:schemeClr val="tx1"/>
+              </a:solidFill>
+              <a:latin typeface="Adobe Caslon Pro" panose="0205050205050A020403"/>
+            </a:endParaRPr>
+          </a:p>
+          <a:p>
+            <a:pPr marL="457200" lvl="1" indent="0" algn="ctr">
+              <a:buNone/>
+            </a:pPr>
+            <a:endParaRPr lang="en-US" sz="2800" dirty="0">
+              <a:solidFill>
+                <a:schemeClr val="tx1"/>
+              </a:solidFill>
+              <a:latin typeface="Adobe Caslon Pro" panose="0205050205050A020403"/>
+            </a:endParaRPr>
+          </a:p>
+          <a:p>
+            <a:pPr lvl="1"/>
+            <a:endParaRPr lang="en-US" sz="2800" dirty="0">
+              <a:solidFill>
+                <a:schemeClr val="tx1"/>
+              </a:solidFill>
+              <a:latin typeface="Adobe Caslon Pro" panose="0205050205050A020403"/>
+            </a:endParaRPr>
+          </a:p>
+          <a:p>
+            <a:endParaRPr lang="en-US" dirty="0">
+              <a:solidFill>
+                <a:schemeClr val="tx1"/>
+              </a:solidFill>
+              <a:latin typeface="Adobe Caslon Pro" panose="0205050205050A020403"/>
+            </a:endParaRPr>
+          </a:p>
+          <a:p>
+            <a:endParaRPr lang="en-US" dirty="0">
+              <a:solidFill>
+                <a:schemeClr val="tx1"/>
+              </a:solidFill>
+              <a:latin typeface="Adobe Caslon Pro" panose="0205050205050A020403"/>
+            </a:endParaRPr>
+          </a:p>
+          <a:p>
+            <a:endParaRPr lang="en-US" dirty="0">
               <a:solidFill>
                 <a:schemeClr val="tx1"/>
               </a:solidFill>
@@ -10009,7 +10094,7 @@
     </p:spTree>
     <p:extLst>
       <p:ext uri="{BB962C8B-B14F-4D97-AF65-F5344CB8AC3E}">
-        <p14:creationId xmlns:p14="http://schemas.microsoft.com/office/powerpoint/2010/main" val="3265217111"/>
+        <p14:creationId xmlns:p14="http://schemas.microsoft.com/office/powerpoint/2010/main" val="2879496651"/>
       </p:ext>
     </p:extLst>
   </p:cSld>
@@ -10020,623 +10105,6 @@
 </file>
 
 <file path=ppt/slides/slide23.xml><?xml version="1.0" encoding="utf-8"?>
-<p:sld xmlns:a="http://schemas.openxmlformats.org/drawingml/2006/main" xmlns:r="http://schemas.openxmlformats.org/officeDocument/2006/relationships" xmlns:p="http://schemas.openxmlformats.org/presentationml/2006/main">
-  <p:cSld>
-    <p:spTree>
-      <p:nvGrpSpPr>
-        <p:cNvPr id="1" name=""/>
-        <p:cNvGrpSpPr/>
-        <p:nvPr/>
-      </p:nvGrpSpPr>
-      <p:grpSpPr>
-        <a:xfrm>
-          <a:off x="0" y="0"/>
-          <a:ext cx="0" cy="0"/>
-          <a:chOff x="0" y="0"/>
-          <a:chExt cx="0" cy="0"/>
-        </a:xfrm>
-      </p:grpSpPr>
-      <p:sp>
-        <p:nvSpPr>
-          <p:cNvPr id="2" name="Title 1"/>
-          <p:cNvSpPr>
-            <a:spLocks noGrp="1"/>
-          </p:cNvSpPr>
-          <p:nvPr>
-            <p:ph type="title"/>
-          </p:nvPr>
-        </p:nvSpPr>
-        <p:spPr>
-          <a:xfrm>
-            <a:off x="838200" y="356658"/>
-            <a:ext cx="10515600" cy="1325563"/>
-          </a:xfrm>
-        </p:spPr>
-        <p:txBody>
-          <a:bodyPr>
-            <a:normAutofit/>
-          </a:bodyPr>
-          <a:lstStyle/>
-          <a:p>
-            <a:pPr algn="ctr"/>
-            <a:r>
-              <a:rPr lang="en-US" sz="4000" dirty="0">
-                <a:solidFill>
-                  <a:schemeClr val="tx1"/>
-                </a:solidFill>
-                <a:latin typeface="Adobe Caslon Pro" panose="0205050205050A020403" pitchFamily="18" charset="0"/>
-              </a:rPr>
-              <a:t>Tidyverse</a:t>
-            </a:r>
-          </a:p>
-        </p:txBody>
-      </p:sp>
-      <p:sp>
-        <p:nvSpPr>
-          <p:cNvPr id="3" name="Content Placeholder 2"/>
-          <p:cNvSpPr>
-            <a:spLocks noGrp="1"/>
-          </p:cNvSpPr>
-          <p:nvPr>
-            <p:ph idx="1"/>
-          </p:nvPr>
-        </p:nvSpPr>
-        <p:spPr>
-          <a:xfrm>
-            <a:off x="838200" y="1825625"/>
-            <a:ext cx="10233800" cy="4351338"/>
-          </a:xfrm>
-        </p:spPr>
-        <p:txBody>
-          <a:bodyPr>
-            <a:normAutofit lnSpcReduction="10000"/>
-          </a:bodyPr>
-          <a:lstStyle/>
-          <a:p>
-            <a:r>
-              <a:rPr lang="en-US" sz="3200" dirty="0">
-                <a:solidFill>
-                  <a:schemeClr val="tx1"/>
-                </a:solidFill>
-                <a:latin typeface="Adobe Caslon Pro" panose="0205050205050A020403"/>
-              </a:rPr>
-              <a:t>Used to be called the </a:t>
-            </a:r>
-            <a:r>
-              <a:rPr lang="en-US" sz="3200" dirty="0" err="1">
-                <a:solidFill>
-                  <a:schemeClr val="tx1"/>
-                </a:solidFill>
-                <a:latin typeface="Adobe Caslon Pro" panose="0205050205050A020403"/>
-              </a:rPr>
-              <a:t>Hadleyverse</a:t>
-            </a:r>
-            <a:endParaRPr lang="en-US" sz="3200" dirty="0">
-              <a:solidFill>
-                <a:schemeClr val="tx1"/>
-              </a:solidFill>
-              <a:latin typeface="Adobe Caslon Pro" panose="0205050205050A020403"/>
-            </a:endParaRPr>
-          </a:p>
-          <a:p>
-            <a:endParaRPr lang="en-US" sz="3200" dirty="0">
-              <a:solidFill>
-                <a:schemeClr val="tx1"/>
-              </a:solidFill>
-              <a:latin typeface="Adobe Caslon Pro" panose="0205050205050A020403"/>
-            </a:endParaRPr>
-          </a:p>
-          <a:p>
-            <a:r>
-              <a:rPr lang="en-US" sz="3200" dirty="0">
-                <a:solidFill>
-                  <a:schemeClr val="tx1"/>
-                </a:solidFill>
-                <a:latin typeface="Adobe Caslon Pro" panose="0205050205050A020403"/>
-              </a:rPr>
-              <a:t>An ecosystem of packages designed with common APIs and a shared philosophy</a:t>
-            </a:r>
-          </a:p>
-          <a:p>
-            <a:endParaRPr lang="en-US" sz="3200" dirty="0">
-              <a:solidFill>
-                <a:schemeClr val="tx1"/>
-              </a:solidFill>
-              <a:latin typeface="Adobe Caslon Pro" panose="0205050205050A020403"/>
-            </a:endParaRPr>
-          </a:p>
-          <a:p>
-            <a:r>
-              <a:rPr lang="en-US" sz="3200" dirty="0">
-                <a:solidFill>
-                  <a:schemeClr val="tx1"/>
-                </a:solidFill>
-                <a:latin typeface="Adobe Caslon Pro" panose="0205050205050A020403"/>
-              </a:rPr>
-              <a:t>Helps you get your data tidy</a:t>
-            </a:r>
-          </a:p>
-          <a:p>
-            <a:endParaRPr lang="en-US" sz="3200" dirty="0">
-              <a:solidFill>
-                <a:schemeClr val="tx1"/>
-              </a:solidFill>
-              <a:latin typeface="Adobe Caslon Pro" panose="0205050205050A020403"/>
-            </a:endParaRPr>
-          </a:p>
-          <a:p>
-            <a:r>
-              <a:rPr lang="en-US" sz="3200" dirty="0">
-                <a:solidFill>
-                  <a:schemeClr val="tx1"/>
-                </a:solidFill>
-                <a:latin typeface="Adobe Caslon Pro" panose="0205050205050A020403"/>
-              </a:rPr>
-              <a:t>Also assumes that your data is tidy</a:t>
-            </a:r>
-          </a:p>
-          <a:p>
-            <a:endParaRPr lang="en-US" sz="3200" dirty="0">
-              <a:solidFill>
-                <a:schemeClr val="tx1"/>
-              </a:solidFill>
-              <a:latin typeface="Adobe Caslon Pro" panose="0205050205050A020403"/>
-            </a:endParaRPr>
-          </a:p>
-          <a:p>
-            <a:pPr lvl="1"/>
-            <a:endParaRPr lang="en-US" sz="3200" dirty="0">
-              <a:solidFill>
-                <a:schemeClr val="tx1"/>
-              </a:solidFill>
-              <a:latin typeface="Adobe Caslon Pro" panose="0205050205050A020403"/>
-            </a:endParaRPr>
-          </a:p>
-          <a:p>
-            <a:endParaRPr lang="en-US" sz="3200" dirty="0">
-              <a:solidFill>
-                <a:schemeClr val="tx1"/>
-              </a:solidFill>
-              <a:latin typeface="Adobe Caslon Pro" panose="0205050205050A020403"/>
-            </a:endParaRPr>
-          </a:p>
-          <a:p>
-            <a:endParaRPr lang="en-US" sz="3200" dirty="0">
-              <a:solidFill>
-                <a:schemeClr val="tx1"/>
-              </a:solidFill>
-              <a:latin typeface="Adobe Caslon Pro" panose="0205050205050A020403"/>
-            </a:endParaRPr>
-          </a:p>
-          <a:p>
-            <a:endParaRPr lang="en-US" sz="3200" dirty="0">
-              <a:solidFill>
-                <a:schemeClr val="tx1"/>
-              </a:solidFill>
-              <a:latin typeface="Adobe Caslon Pro" panose="0205050205050A020403"/>
-            </a:endParaRPr>
-          </a:p>
-        </p:txBody>
-      </p:sp>
-      <p:pic>
-        <p:nvPicPr>
-          <p:cNvPr id="4" name="Picture 3"/>
-          <p:cNvPicPr>
-            <a:picLocks noChangeAspect="1"/>
-          </p:cNvPicPr>
-          <p:nvPr/>
-        </p:nvPicPr>
-        <p:blipFill>
-          <a:blip r:embed="rId2">
-            <a:extLst>
-              <a:ext uri="{28A0092B-C50C-407E-A947-70E740481C1C}">
-                <a14:useLocalDpi xmlns:a14="http://schemas.microsoft.com/office/drawing/2010/main" val="0"/>
-              </a:ext>
-            </a:extLst>
-          </a:blip>
-          <a:stretch>
-            <a:fillRect/>
-          </a:stretch>
-        </p:blipFill>
-        <p:spPr>
-          <a:xfrm>
-            <a:off x="10312400" y="5722722"/>
-            <a:ext cx="1879600" cy="1135278"/>
-          </a:xfrm>
-          <a:prstGeom prst="rect">
-            <a:avLst/>
-          </a:prstGeom>
-        </p:spPr>
-      </p:pic>
-    </p:spTree>
-    <p:extLst>
-      <p:ext uri="{BB962C8B-B14F-4D97-AF65-F5344CB8AC3E}">
-        <p14:creationId xmlns:p14="http://schemas.microsoft.com/office/powerpoint/2010/main" val="363115800"/>
-      </p:ext>
-    </p:extLst>
-  </p:cSld>
-  <p:clrMapOvr>
-    <a:masterClrMapping/>
-  </p:clrMapOvr>
-</p:sld>
-</file>
-
-<file path=ppt/slides/slide24.xml><?xml version="1.0" encoding="utf-8"?>
-<p:sld xmlns:a="http://schemas.openxmlformats.org/drawingml/2006/main" xmlns:r="http://schemas.openxmlformats.org/officeDocument/2006/relationships" xmlns:p="http://schemas.openxmlformats.org/presentationml/2006/main">
-  <p:cSld>
-    <p:spTree>
-      <p:nvGrpSpPr>
-        <p:cNvPr id="1" name=""/>
-        <p:cNvGrpSpPr/>
-        <p:nvPr/>
-      </p:nvGrpSpPr>
-      <p:grpSpPr>
-        <a:xfrm>
-          <a:off x="0" y="0"/>
-          <a:ext cx="0" cy="0"/>
-          <a:chOff x="0" y="0"/>
-          <a:chExt cx="0" cy="0"/>
-        </a:xfrm>
-      </p:grpSpPr>
-      <p:sp>
-        <p:nvSpPr>
-          <p:cNvPr id="2" name="Title 1"/>
-          <p:cNvSpPr>
-            <a:spLocks noGrp="1"/>
-          </p:cNvSpPr>
-          <p:nvPr>
-            <p:ph type="title"/>
-          </p:nvPr>
-        </p:nvSpPr>
-        <p:spPr>
-          <a:xfrm>
-            <a:off x="838200" y="356658"/>
-            <a:ext cx="10515600" cy="1325563"/>
-          </a:xfrm>
-        </p:spPr>
-        <p:txBody>
-          <a:bodyPr>
-            <a:normAutofit/>
-          </a:bodyPr>
-          <a:lstStyle/>
-          <a:p>
-            <a:pPr algn="ctr"/>
-            <a:r>
-              <a:rPr lang="en-US" sz="4000" dirty="0">
-                <a:solidFill>
-                  <a:schemeClr val="tx1"/>
-                </a:solidFill>
-                <a:latin typeface="Adobe Caslon Pro" panose="0205050205050A020403" pitchFamily="18" charset="0"/>
-              </a:rPr>
-              <a:t>Part II: Tools</a:t>
-            </a:r>
-          </a:p>
-        </p:txBody>
-      </p:sp>
-      <p:sp>
-        <p:nvSpPr>
-          <p:cNvPr id="3" name="Content Placeholder 2"/>
-          <p:cNvSpPr>
-            <a:spLocks noGrp="1"/>
-          </p:cNvSpPr>
-          <p:nvPr>
-            <p:ph idx="1"/>
-          </p:nvPr>
-        </p:nvSpPr>
-        <p:spPr>
-          <a:xfrm>
-            <a:off x="838200" y="1526803"/>
-            <a:ext cx="10233800" cy="4351338"/>
-          </a:xfrm>
-        </p:spPr>
-        <p:txBody>
-          <a:bodyPr>
-            <a:noAutofit/>
-          </a:bodyPr>
-          <a:lstStyle/>
-          <a:p>
-            <a:r>
-              <a:rPr lang="en-US" dirty="0">
-                <a:solidFill>
-                  <a:schemeClr val="tx1"/>
-                </a:solidFill>
-                <a:latin typeface="Adobe Caslon Pro" panose="0205050205050A020403"/>
-              </a:rPr>
-              <a:t>Git</a:t>
-            </a:r>
-          </a:p>
-          <a:p>
-            <a:pPr lvl="1"/>
-            <a:r>
-              <a:rPr lang="en-US" sz="2800" dirty="0">
-                <a:solidFill>
-                  <a:schemeClr val="tx1"/>
-                </a:solidFill>
-                <a:latin typeface="Adobe Caslon Pro" panose="0205050205050A020403"/>
-              </a:rPr>
-              <a:t>Modern Source Control</a:t>
-            </a:r>
-          </a:p>
-          <a:p>
-            <a:pPr lvl="1"/>
-            <a:r>
-              <a:rPr lang="en-US" sz="2800" dirty="0">
-                <a:solidFill>
-                  <a:schemeClr val="tx1"/>
-                </a:solidFill>
-                <a:latin typeface="Adobe Caslon Pro" panose="0205050205050A020403"/>
-              </a:rPr>
-              <a:t>Code repositories: GitHub and Bitbucket</a:t>
-            </a:r>
-          </a:p>
-          <a:p>
-            <a:pPr lvl="1"/>
-            <a:r>
-              <a:rPr lang="en-US" sz="2800" dirty="0">
-                <a:solidFill>
-                  <a:schemeClr val="tx1"/>
-                </a:solidFill>
-                <a:latin typeface="Adobe Caslon Pro" panose="0205050205050A020403"/>
-              </a:rPr>
-              <a:t>GUI: </a:t>
-            </a:r>
-            <a:r>
-              <a:rPr lang="en-US" sz="2800" dirty="0" err="1">
-                <a:solidFill>
-                  <a:schemeClr val="tx1"/>
-                </a:solidFill>
-                <a:latin typeface="Adobe Caslon Pro" panose="0205050205050A020403"/>
-              </a:rPr>
-              <a:t>Sourcetree</a:t>
-            </a:r>
-            <a:endParaRPr lang="en-US" sz="2800" dirty="0">
-              <a:solidFill>
-                <a:schemeClr val="tx1"/>
-              </a:solidFill>
-              <a:latin typeface="Adobe Caslon Pro" panose="0205050205050A020403"/>
-            </a:endParaRPr>
-          </a:p>
-          <a:p>
-            <a:pPr lvl="1"/>
-            <a:endParaRPr lang="en-US" sz="2800" dirty="0">
-              <a:solidFill>
-                <a:schemeClr val="tx1"/>
-              </a:solidFill>
-              <a:latin typeface="Adobe Caslon Pro" panose="0205050205050A020403"/>
-            </a:endParaRPr>
-          </a:p>
-          <a:p>
-            <a:r>
-              <a:rPr lang="en-US" dirty="0" err="1">
-                <a:solidFill>
-                  <a:schemeClr val="tx1"/>
-                </a:solidFill>
-                <a:latin typeface="Adobe Caslon Pro" panose="0205050205050A020403"/>
-              </a:rPr>
-              <a:t>Rmarkdown</a:t>
-            </a:r>
-            <a:r>
-              <a:rPr lang="en-US" dirty="0">
-                <a:solidFill>
-                  <a:schemeClr val="tx1"/>
-                </a:solidFill>
-                <a:latin typeface="Adobe Caslon Pro" panose="0205050205050A020403"/>
-              </a:rPr>
-              <a:t>/</a:t>
-            </a:r>
-            <a:r>
-              <a:rPr lang="en-US" dirty="0" err="1">
-                <a:solidFill>
-                  <a:schemeClr val="tx1"/>
-                </a:solidFill>
-                <a:latin typeface="Adobe Caslon Pro" panose="0205050205050A020403"/>
-              </a:rPr>
-              <a:t>knitr</a:t>
-            </a:r>
-            <a:endParaRPr lang="en-US" dirty="0">
-              <a:solidFill>
-                <a:schemeClr val="tx1"/>
-              </a:solidFill>
-              <a:latin typeface="Adobe Caslon Pro" panose="0205050205050A020403"/>
-            </a:endParaRPr>
-          </a:p>
-          <a:p>
-            <a:pPr lvl="1"/>
-            <a:r>
-              <a:rPr lang="en-US" sz="2800" dirty="0">
-                <a:solidFill>
-                  <a:schemeClr val="tx1"/>
-                </a:solidFill>
-                <a:latin typeface="Adobe Caslon Pro" panose="0205050205050A020403"/>
-              </a:rPr>
-              <a:t>Appears to be strictly an R Studio thing</a:t>
-            </a:r>
-          </a:p>
-          <a:p>
-            <a:pPr lvl="1"/>
-            <a:endParaRPr lang="en-US" sz="2800" dirty="0">
-              <a:solidFill>
-                <a:schemeClr val="tx1"/>
-              </a:solidFill>
-              <a:latin typeface="Adobe Caslon Pro" panose="0205050205050A020403"/>
-            </a:endParaRPr>
-          </a:p>
-          <a:p>
-            <a:r>
-              <a:rPr lang="en-US" dirty="0" err="1">
-                <a:solidFill>
-                  <a:schemeClr val="tx1"/>
-                </a:solidFill>
-                <a:latin typeface="Adobe Caslon Pro" panose="0205050205050A020403"/>
-              </a:rPr>
-              <a:t>Pandoc</a:t>
-            </a:r>
-            <a:r>
-              <a:rPr lang="en-US" dirty="0">
-                <a:solidFill>
-                  <a:schemeClr val="tx1"/>
-                </a:solidFill>
-                <a:latin typeface="Adobe Caslon Pro" panose="0205050205050A020403"/>
-              </a:rPr>
-              <a:t> Markdown/Jupyter</a:t>
-            </a:r>
-          </a:p>
-          <a:p>
-            <a:pPr lvl="1"/>
-            <a:r>
-              <a:rPr lang="en-US" sz="2800" dirty="0">
-                <a:solidFill>
-                  <a:schemeClr val="tx1"/>
-                </a:solidFill>
-                <a:latin typeface="Adobe Caslon Pro" panose="0205050205050A020403"/>
-              </a:rPr>
-              <a:t>Julia, Python, R</a:t>
-            </a:r>
-          </a:p>
-          <a:p>
-            <a:pPr lvl="1"/>
-            <a:r>
-              <a:rPr lang="en-US" sz="2800" dirty="0">
-                <a:solidFill>
-                  <a:schemeClr val="tx1"/>
-                </a:solidFill>
-                <a:latin typeface="Adobe Caslon Pro" panose="0205050205050A020403"/>
-              </a:rPr>
-              <a:t>Rebranded </a:t>
-            </a:r>
-            <a:r>
-              <a:rPr lang="en-US" sz="2800" dirty="0" err="1">
-                <a:solidFill>
-                  <a:schemeClr val="tx1"/>
-                </a:solidFill>
-                <a:latin typeface="Adobe Caslon Pro" panose="0205050205050A020403"/>
-              </a:rPr>
-              <a:t>Ipython</a:t>
-            </a:r>
-            <a:endParaRPr lang="en-US" sz="2800" dirty="0">
-              <a:solidFill>
-                <a:schemeClr val="tx1"/>
-              </a:solidFill>
-              <a:latin typeface="Adobe Caslon Pro" panose="0205050205050A020403"/>
-            </a:endParaRPr>
-          </a:p>
-          <a:p>
-            <a:endParaRPr lang="en-US" dirty="0">
-              <a:solidFill>
-                <a:schemeClr val="tx1"/>
-              </a:solidFill>
-              <a:latin typeface="Adobe Caslon Pro" panose="0205050205050A020403"/>
-            </a:endParaRPr>
-          </a:p>
-          <a:p>
-            <a:endParaRPr lang="en-US" dirty="0">
-              <a:solidFill>
-                <a:schemeClr val="tx1"/>
-              </a:solidFill>
-              <a:latin typeface="Adobe Caslon Pro" panose="0205050205050A020403"/>
-            </a:endParaRPr>
-          </a:p>
-          <a:p>
-            <a:pPr marL="457200" lvl="1" indent="0" algn="ctr">
-              <a:buNone/>
-            </a:pPr>
-            <a:endParaRPr lang="en-US" sz="2800" dirty="0">
-              <a:solidFill>
-                <a:schemeClr val="tx1"/>
-              </a:solidFill>
-              <a:latin typeface="Adobe Caslon Pro" panose="0205050205050A020403"/>
-            </a:endParaRPr>
-          </a:p>
-          <a:p>
-            <a:pPr marL="457200" lvl="1" indent="0" algn="ctr">
-              <a:buNone/>
-            </a:pPr>
-            <a:endParaRPr lang="en-US" sz="2800" dirty="0">
-              <a:solidFill>
-                <a:schemeClr val="tx1"/>
-              </a:solidFill>
-              <a:latin typeface="Adobe Caslon Pro" panose="0205050205050A020403"/>
-            </a:endParaRPr>
-          </a:p>
-          <a:p>
-            <a:pPr lvl="1"/>
-            <a:endParaRPr lang="en-US" sz="2800" dirty="0">
-              <a:solidFill>
-                <a:schemeClr val="tx1"/>
-              </a:solidFill>
-              <a:latin typeface="Adobe Caslon Pro" panose="0205050205050A020403"/>
-            </a:endParaRPr>
-          </a:p>
-          <a:p>
-            <a:endParaRPr lang="en-US" dirty="0">
-              <a:solidFill>
-                <a:schemeClr val="tx1"/>
-              </a:solidFill>
-              <a:latin typeface="Adobe Caslon Pro" panose="0205050205050A020403"/>
-            </a:endParaRPr>
-          </a:p>
-          <a:p>
-            <a:endParaRPr lang="en-US" dirty="0">
-              <a:solidFill>
-                <a:schemeClr val="tx1"/>
-              </a:solidFill>
-              <a:latin typeface="Adobe Caslon Pro" panose="0205050205050A020403"/>
-            </a:endParaRPr>
-          </a:p>
-          <a:p>
-            <a:endParaRPr lang="en-US" dirty="0">
-              <a:solidFill>
-                <a:schemeClr val="tx1"/>
-              </a:solidFill>
-              <a:latin typeface="Adobe Caslon Pro" panose="0205050205050A020403"/>
-            </a:endParaRPr>
-          </a:p>
-        </p:txBody>
-      </p:sp>
-      <p:pic>
-        <p:nvPicPr>
-          <p:cNvPr id="4" name="Picture 3"/>
-          <p:cNvPicPr>
-            <a:picLocks noChangeAspect="1"/>
-          </p:cNvPicPr>
-          <p:nvPr/>
-        </p:nvPicPr>
-        <p:blipFill>
-          <a:blip r:embed="rId2">
-            <a:extLst>
-              <a:ext uri="{28A0092B-C50C-407E-A947-70E740481C1C}">
-                <a14:useLocalDpi xmlns:a14="http://schemas.microsoft.com/office/drawing/2010/main" val="0"/>
-              </a:ext>
-            </a:extLst>
-          </a:blip>
-          <a:stretch>
-            <a:fillRect/>
-          </a:stretch>
-        </p:blipFill>
-        <p:spPr>
-          <a:xfrm>
-            <a:off x="10312400" y="5722722"/>
-            <a:ext cx="1879600" cy="1135278"/>
-          </a:xfrm>
-          <a:prstGeom prst="rect">
-            <a:avLst/>
-          </a:prstGeom>
-        </p:spPr>
-      </p:pic>
-    </p:spTree>
-    <p:extLst>
-      <p:ext uri="{BB962C8B-B14F-4D97-AF65-F5344CB8AC3E}">
-        <p14:creationId xmlns:p14="http://schemas.microsoft.com/office/powerpoint/2010/main" val="2879496651"/>
-      </p:ext>
-    </p:extLst>
-  </p:cSld>
-  <p:clrMapOvr>
-    <a:masterClrMapping/>
-  </p:clrMapOvr>
-</p:sld>
-</file>
-
-<file path=ppt/slides/slide25.xml><?xml version="1.0" encoding="utf-8"?>
 <p:sld xmlns:a="http://schemas.openxmlformats.org/drawingml/2006/main" xmlns:r="http://schemas.openxmlformats.org/officeDocument/2006/relationships" xmlns:p="http://schemas.openxmlformats.org/presentationml/2006/main">
   <p:cSld>
     <p:spTree>

--- a/Documents/Deck/Reproducable Research.pptx
+++ b/Documents/Deck/Reproducable Research.pptx
@@ -5915,7 +5915,7 @@
               <a:rPr lang="en-US" sz="4000" dirty="0">
                 <a:latin typeface="Adobe Caslon Pro" panose="0205050205050A020403" pitchFamily="18" charset="0"/>
               </a:rPr>
-              <a:t>Bob Wakefield</a:t>
+              <a:t>Bob Wakefield </a:t>
             </a:r>
           </a:p>
           <a:p>

--- a/Documents/Deck/Reproducable Research.pptx
+++ b/Documents/Deck/Reproducable Research.pptx
@@ -5912,11 +5912,14 @@
           <a:lstStyle/>
           <a:p>
             <a:r>
-              <a:rPr lang="en-US" sz="4000" dirty="0">
+              <a:rPr lang="en-US" sz="4000">
                 <a:latin typeface="Adobe Caslon Pro" panose="0205050205050A020403" pitchFamily="18" charset="0"/>
               </a:rPr>
-              <a:t>Bob Wakefield </a:t>
-            </a:r>
+              <a:t>Bob Wakefield  </a:t>
+            </a:r>
+            <a:endParaRPr lang="en-US" sz="4000" dirty="0">
+              <a:latin typeface="Adobe Caslon Pro" panose="0205050205050A020403" pitchFamily="18" charset="0"/>
+            </a:endParaRPr>
           </a:p>
           <a:p>
             <a:r>

--- a/Documents/Deck/Reproducable Research.pptx
+++ b/Documents/Deck/Reproducable Research.pptx
@@ -5836,7 +5836,7 @@
         <p:spPr>
           <a:xfrm>
             <a:off x="571500" y="422525"/>
-            <a:ext cx="10426700" cy="1938992"/>
+            <a:ext cx="10426700" cy="1754326"/>
           </a:xfrm>
           <a:prstGeom prst="rect">
             <a:avLst/>
@@ -5851,10 +5851,8 @@
           <a:p>
             <a:pPr algn="ctr"/>
             <a:r>
-              <a:rPr lang="en-US" sz="6000" dirty="0">
-                <a:latin typeface="Adobe Caslon Pro" panose="0205050205050A020403" pitchFamily="18" charset="0"/>
-              </a:rPr>
-              <a:t>Hands On: Introduction to the Hadoop Ecosystem</a:t>
+              <a:rPr lang="en-US" sz="5400" b="1" dirty="0"/>
+              <a:t>Reproducible Research w/ Tidyverse</a:t>
             </a:r>
           </a:p>
         </p:txBody>

--- a/Documents/Deck/Reproducable Research.pptx
+++ b/Documents/Deck/Reproducable Research.pptx
@@ -334,7 +334,7 @@
           <a:p>
             <a:fld id="{ECD19FB2-3AAB-4D03-B13A-2960828C78E3}" type="datetimeFigureOut">
               <a:rPr lang="en-US" dirty="0"/>
-              <a:t>10/30/2017</a:t>
+              <a:t>10/31/2017</a:t>
             </a:fld>
             <a:endParaRPr lang="en-US" dirty="0"/>
           </a:p>
@@ -615,7 +615,7 @@
           <a:p>
             <a:fld id="{1B80C674-7DFC-42FE-B9CD-82963CDB1557}" type="datetimeFigureOut">
               <a:rPr lang="en-US" dirty="0"/>
-              <a:t>10/30/2017</a:t>
+              <a:t>10/31/2017</a:t>
             </a:fld>
             <a:endParaRPr lang="en-US" dirty="0"/>
           </a:p>
@@ -806,7 +806,7 @@
           <a:p>
             <a:fld id="{2076456F-F47D-4F25-8053-2A695DA0CA7D}" type="datetimeFigureOut">
               <a:rPr lang="en-US" dirty="0"/>
-              <a:t>10/30/2017</a:t>
+              <a:t>10/31/2017</a:t>
             </a:fld>
             <a:endParaRPr lang="en-US" dirty="0"/>
           </a:p>
@@ -1066,7 +1066,7 @@
           <a:p>
             <a:fld id="{5D6C7379-69CC-4837-9905-BEBA22830C8A}" type="datetimeFigureOut">
               <a:rPr lang="en-US" dirty="0"/>
-              <a:t>10/30/2017</a:t>
+              <a:t>10/31/2017</a:t>
             </a:fld>
             <a:endParaRPr lang="en-US" dirty="0"/>
           </a:p>
@@ -1491,7 +1491,7 @@
           <a:p>
             <a:fld id="{49EB8B7E-8AEE-4F10-BFEE-C999AD004D36}" type="datetimeFigureOut">
               <a:rPr lang="en-US" dirty="0"/>
-              <a:t>10/30/2017</a:t>
+              <a:t>10/31/2017</a:t>
             </a:fld>
             <a:endParaRPr lang="en-US" dirty="0"/>
           </a:p>
@@ -2036,7 +2036,7 @@
           <a:p>
             <a:fld id="{8668F3F9-58BC-440B-B37B-805B9055EF92}" type="datetimeFigureOut">
               <a:rPr lang="en-US" dirty="0"/>
-              <a:t>10/30/2017</a:t>
+              <a:t>10/31/2017</a:t>
             </a:fld>
             <a:endParaRPr lang="en-US" dirty="0"/>
           </a:p>
@@ -2866,7 +2866,7 @@
           <a:p>
             <a:fld id="{0D5A53AF-48EA-489D-8260-9DCAB666386A}" type="datetimeFigureOut">
               <a:rPr lang="en-US" dirty="0"/>
-              <a:t>10/30/2017</a:t>
+              <a:t>10/31/2017</a:t>
             </a:fld>
             <a:endParaRPr lang="en-US" dirty="0"/>
           </a:p>
@@ -3035,7 +3035,7 @@
           <a:p>
             <a:fld id="{0DED02AE-B9A4-47BD-AF8E-97E16144138B}" type="datetimeFigureOut">
               <a:rPr lang="en-US" dirty="0"/>
-              <a:t>10/30/2017</a:t>
+              <a:t>10/31/2017</a:t>
             </a:fld>
             <a:endParaRPr lang="en-US" dirty="0"/>
           </a:p>
@@ -3214,7 +3214,7 @@
           <a:p>
             <a:fld id="{CF0FD78B-DB02-4362-BCDC-98A55456977C}" type="datetimeFigureOut">
               <a:rPr lang="en-US" dirty="0"/>
-              <a:t>10/30/2017</a:t>
+              <a:t>10/31/2017</a:t>
             </a:fld>
             <a:endParaRPr lang="en-US" dirty="0"/>
           </a:p>
@@ -3383,7 +3383,7 @@
           <a:p>
             <a:fld id="{99916976-5D93-46E4-A98A-FAD63E4D0EA8}" type="datetimeFigureOut">
               <a:rPr lang="en-US" dirty="0"/>
-              <a:t>10/30/2017</a:t>
+              <a:t>10/31/2017</a:t>
             </a:fld>
             <a:endParaRPr lang="en-US" dirty="0"/>
           </a:p>
@@ -3639,7 +3639,7 @@
           <a:p>
             <a:fld id="{0F39F4F5-F4D2-4D2A-AB60-88D37ADCB869}" type="datetimeFigureOut">
               <a:rPr lang="en-US" dirty="0"/>
-              <a:t>10/30/2017</a:t>
+              <a:t>10/31/2017</a:t>
             </a:fld>
             <a:endParaRPr lang="en-US" dirty="0"/>
           </a:p>
@@ -3870,7 +3870,7 @@
           <a:p>
             <a:fld id="{D23BC6CE-6D1E-47E5-8859-F31AC5380EB2}" type="datetimeFigureOut">
               <a:rPr lang="en-US" dirty="0"/>
-              <a:t>10/30/2017</a:t>
+              <a:t>10/31/2017</a:t>
             </a:fld>
             <a:endParaRPr lang="en-US" dirty="0"/>
           </a:p>
@@ -4262,7 +4262,7 @@
           <a:p>
             <a:fld id="{B1B4E7C4-4DA4-404D-9965-B13F2DD7D8BF}" type="datetimeFigureOut">
               <a:rPr lang="en-US" dirty="0"/>
-              <a:t>10/30/2017</a:t>
+              <a:t>10/31/2017</a:t>
             </a:fld>
             <a:endParaRPr lang="en-US" dirty="0"/>
           </a:p>
@@ -4379,7 +4379,7 @@
           <a:p>
             <a:fld id="{476FB7AA-4A53-424F-AD41-70827B6504BA}" type="datetimeFigureOut">
               <a:rPr lang="en-US" dirty="0"/>
-              <a:t>10/30/2017</a:t>
+              <a:t>10/31/2017</a:t>
             </a:fld>
             <a:endParaRPr lang="en-US" dirty="0"/>
           </a:p>
@@ -4473,7 +4473,7 @@
           <a:p>
             <a:fld id="{E7884882-FB12-4BC8-9960-9AD8104D7FAE}" type="datetimeFigureOut">
               <a:rPr lang="en-US" dirty="0"/>
-              <a:t>10/30/2017</a:t>
+              <a:t>10/31/2017</a:t>
             </a:fld>
             <a:endParaRPr lang="en-US" dirty="0"/>
           </a:p>
@@ -4745,7 +4745,7 @@
           <a:p>
             <a:fld id="{F7D1BD23-6E54-4D9D-AD88-A2813C73CC25}" type="datetimeFigureOut">
               <a:rPr lang="en-US" dirty="0"/>
-              <a:t>10/30/2017</a:t>
+              <a:t>10/31/2017</a:t>
             </a:fld>
             <a:endParaRPr lang="en-US" dirty="0"/>
           </a:p>
@@ -5025,7 +5025,7 @@
           <a:p>
             <a:fld id="{1471A834-4F3C-4AF9-9C74-05EC35A0F292}" type="datetimeFigureOut">
               <a:rPr lang="en-US" dirty="0"/>
-              <a:t>10/30/2017</a:t>
+              <a:t>10/31/2017</a:t>
             </a:fld>
             <a:endParaRPr lang="en-US" dirty="0"/>
           </a:p>
@@ -5264,7 +5264,7 @@
           <a:p>
             <a:fld id="{51CF1133-3259-4C45-BABA-5B62D9C6F78D}" type="datetimeFigureOut">
               <a:rPr lang="en-US" dirty="0"/>
-              <a:t>10/30/2017</a:t>
+              <a:t>10/31/2017</a:t>
             </a:fld>
             <a:endParaRPr lang="en-US" dirty="0"/>
           </a:p>
@@ -5852,7 +5852,7 @@
             <a:pPr algn="ctr"/>
             <a:r>
               <a:rPr lang="en-US" sz="5400" b="1" dirty="0"/>
-              <a:t>Reproducible Research w/ Tidyverse</a:t>
+              <a:t>Reproducible Research with R, The Tidyverse, Notebooks, and Spark</a:t>
             </a:r>
           </a:p>
         </p:txBody>
